--- a/Courses/Applied-Programmer/Programming-Fundamentals/03-Масиви-и-списъци/12.Работа-с-масиви-сортиране.pptx
+++ b/Courses/Applied-Programmer/Programming-Fundamentals/03-Масиви-и-списъци/12.Работа-с-масиви-сортиране.pptx
@@ -343,7 +343,7 @@
             <a:fld id="{FE5B4EDC-59C0-49C7-8ADA-5A781B329E02}" type="datetimeFigureOut">
               <a:rPr lang="en-US"/>
               <a:pPr/>
-              <a:t>16-Dec-19</a:t>
+              <a:t>10-Nov-20</a:t>
             </a:fld>
             <a:endParaRPr dirty="0"/>
           </a:p>
@@ -641,7 +641,7 @@
             <a:fld id="{F2D8D46A-B586-417D-BFBD-8C8FE0AAF762}" type="datetimeFigureOut">
               <a:rPr lang="en-US" smtClean="0"/>
               <a:pPr/>
-              <a:t>16-Dec-19</a:t>
+              <a:t>10-Nov-20</a:t>
             </a:fld>
             <a:endParaRPr lang="en-US" dirty="0"/>
           </a:p>

--- a/Courses/Applied-Programmer/Programming-Fundamentals/03-Масиви-и-списъци/12.Работа-с-масиви-сортиране.pptx
+++ b/Courses/Applied-Programmer/Programming-Fundamentals/03-Масиви-и-списъци/12.Работа-с-масиви-сортиране.pptx
@@ -8122,7 +8122,7 @@
         <p:spPr/>
         <p:txBody>
           <a:bodyPr>
-            <a:normAutofit lnSpcReduction="10000"/>
+            <a:normAutofit/>
           </a:bodyPr>
           <a:lstStyle/>
           <a:p>
@@ -8164,9 +8164,10 @@
             </a:r>
           </a:p>
           <a:p>
+            <a:pPr lvl="1"/>
             <a:r>
               <a:rPr lang="bg-BG" dirty="0"/>
-              <a:t>Най-често в сортираното множество елементите са подредени във </a:t>
+              <a:t>Подредбата е във </a:t>
             </a:r>
             <a:r>
               <a:rPr lang="bg-BG" dirty="0">
@@ -8206,9 +8207,12 @@
               </a:rPr>
               <a:t>няколко критерия</a:t>
             </a:r>
+          </a:p>
+          <a:p>
+            <a:pPr lvl="1"/>
             <a:r>
               <a:rPr lang="bg-BG" dirty="0"/>
-              <a:t>. Това означава, че ако два елемента имат една и съща стойност по даден признак, т.е. са равни, то може да бъдат подредени според </a:t>
+              <a:t>Ако два елемента имат една и съща стойност по даден признак, се подреждат по </a:t>
             </a:r>
             <a:r>
               <a:rPr lang="bg-BG" dirty="0">
@@ -8230,9 +8234,12 @@
               </a:rPr>
               <a:t>признак</a:t>
             </a:r>
+          </a:p>
+          <a:p>
+            <a:pPr lvl="1"/>
             <a:r>
               <a:rPr lang="bg-BG" dirty="0"/>
-              <a:t>. Тогава говорим за подредба по повече от един критерий, като има значение кой критерий е първи и кой втори.  </a:t>
+              <a:t>Подредбата е по повече от един критерий, като има значение кой критерий е първи и кой втори</a:t>
             </a:r>
           </a:p>
         </p:txBody>
@@ -8259,7 +8266,7 @@
             </a:pPr>
             <a:r>
               <a:rPr lang="bg-BG" dirty="0"/>
-              <a:t>Що е сортиране</a:t>
+              <a:t>Що е сортиране?</a:t>
             </a:r>
             <a:endParaRPr lang="en-US" dirty="0"/>
           </a:p>
@@ -8490,6 +8497,104 @@
                       </p:childTnLst>
                     </p:cTn>
                   </p:par>
+                  <p:par>
+                    <p:cTn id="15" fill="hold">
+                      <p:stCondLst>
+                        <p:cond delay="indefinite"/>
+                      </p:stCondLst>
+                      <p:childTnLst>
+                        <p:par>
+                          <p:cTn id="16" fill="hold">
+                            <p:stCondLst>
+                              <p:cond delay="0"/>
+                            </p:stCondLst>
+                            <p:childTnLst>
+                              <p:par>
+                                <p:cTn id="17" presetID="1" presetClass="entr" presetSubtype="0" fill="hold" nodeType="clickEffect">
+                                  <p:stCondLst>
+                                    <p:cond delay="0"/>
+                                  </p:stCondLst>
+                                  <p:childTnLst>
+                                    <p:set>
+                                      <p:cBhvr>
+                                        <p:cTn id="18" dur="1" fill="hold">
+                                          <p:stCondLst>
+                                            <p:cond delay="0"/>
+                                          </p:stCondLst>
+                                        </p:cTn>
+                                        <p:tgtEl>
+                                          <p:spTgt spid="4">
+                                            <p:txEl>
+                                              <p:pRg st="3" end="3"/>
+                                            </p:txEl>
+                                          </p:spTgt>
+                                        </p:tgtEl>
+                                        <p:attrNameLst>
+                                          <p:attrName>style.visibility</p:attrName>
+                                        </p:attrNameLst>
+                                      </p:cBhvr>
+                                      <p:to>
+                                        <p:strVal val="visible"/>
+                                      </p:to>
+                                    </p:set>
+                                  </p:childTnLst>
+                                </p:cTn>
+                              </p:par>
+                            </p:childTnLst>
+                          </p:cTn>
+                        </p:par>
+                      </p:childTnLst>
+                    </p:cTn>
+                  </p:par>
+                  <p:par>
+                    <p:cTn id="19" fill="hold">
+                      <p:stCondLst>
+                        <p:cond delay="indefinite"/>
+                      </p:stCondLst>
+                      <p:childTnLst>
+                        <p:par>
+                          <p:cTn id="20" fill="hold">
+                            <p:stCondLst>
+                              <p:cond delay="0"/>
+                            </p:stCondLst>
+                            <p:childTnLst>
+                              <p:par>
+                                <p:cTn id="21" presetID="1" presetClass="entr" presetSubtype="0" fill="hold" nodeType="clickEffect">
+                                  <p:stCondLst>
+                                    <p:cond delay="0"/>
+                                  </p:stCondLst>
+                                  <p:childTnLst>
+                                    <p:set>
+                                      <p:cBhvr>
+                                        <p:cTn id="22" dur="1" fill="hold">
+                                          <p:stCondLst>
+                                            <p:cond delay="0"/>
+                                          </p:stCondLst>
+                                        </p:cTn>
+                                        <p:tgtEl>
+                                          <p:spTgt spid="4">
+                                            <p:txEl>
+                                              <p:pRg st="4" end="4"/>
+                                            </p:txEl>
+                                          </p:spTgt>
+                                        </p:tgtEl>
+                                        <p:attrNameLst>
+                                          <p:attrName>style.visibility</p:attrName>
+                                        </p:attrNameLst>
+                                      </p:cBhvr>
+                                      <p:to>
+                                        <p:strVal val="visible"/>
+                                      </p:to>
+                                    </p:set>
+                                  </p:childTnLst>
+                                </p:cTn>
+                              </p:par>
+                            </p:childTnLst>
+                          </p:cTn>
+                        </p:par>
+                      </p:childTnLst>
+                    </p:cTn>
+                  </p:par>
                 </p:childTnLst>
               </p:cTn>
               <p:prevCondLst>
@@ -8545,20 +8650,15 @@
         <p:spPr>
           <a:xfrm>
             <a:off x="190413" y="1066800"/>
-            <a:ext cx="11804822" cy="5458201"/>
+            <a:ext cx="11804822" cy="5654679"/>
           </a:xfrm>
         </p:spPr>
         <p:txBody>
           <a:bodyPr>
-            <a:normAutofit lnSpcReduction="10000"/>
+            <a:normAutofit/>
           </a:bodyPr>
           <a:lstStyle/>
           <a:p>
-            <a:pPr>
-              <a:lnSpc>
-                <a:spcPct val="100000"/>
-              </a:lnSpc>
-            </a:pPr>
             <a:r>
               <a:rPr lang="bg-BG" dirty="0"/>
               <a:t>Сортираме (подреждаме) множества за </a:t>
@@ -8577,24 +8677,78 @@
             </a:r>
           </a:p>
           <a:p>
-            <a:pPr>
-              <a:lnSpc>
-                <a:spcPct val="100000"/>
-              </a:lnSpc>
-            </a:pPr>
             <a:r>
               <a:rPr lang="bg-BG" dirty="0"/>
               <a:t>Основните особености на едно сортиране са:</a:t>
             </a:r>
           </a:p>
           <a:p>
-            <a:pPr>
-              <a:lnSpc>
-                <a:spcPct val="100000"/>
-              </a:lnSpc>
-              <a:buFont typeface="Wingdings" panose="05000000000000000000" pitchFamily="2" charset="2"/>
-              <a:buChar char="ü"/>
-            </a:pPr>
+            <a:pPr lvl="1"/>
+            <a:r>
+              <a:rPr lang="bg-BG" dirty="0">
+                <a:solidFill>
+                  <a:srgbClr val="FFA72A"/>
+                </a:solidFill>
+              </a:rPr>
+              <a:t>Сложността</a:t>
+            </a:r>
+            <a:r>
+              <a:rPr lang="bg-BG" dirty="0"/>
+              <a:t> (брой сравнения и размени на елементи)</a:t>
+            </a:r>
+          </a:p>
+          <a:p>
+            <a:pPr lvl="1"/>
+            <a:r>
+              <a:rPr lang="bg-BG" dirty="0">
+                <a:solidFill>
+                  <a:srgbClr val="FFA72A"/>
+                </a:solidFill>
+              </a:rPr>
+              <a:t>Използвани ресурси </a:t>
+            </a:r>
+            <a:r>
+              <a:rPr lang="bg-BG" dirty="0"/>
+              <a:t>(памет)</a:t>
+            </a:r>
+          </a:p>
+          <a:p>
+            <a:pPr lvl="1"/>
+            <a:r>
+              <a:rPr lang="bg-BG" dirty="0">
+                <a:solidFill>
+                  <a:srgbClr val="FFA72A"/>
+                </a:solidFill>
+              </a:rPr>
+              <a:t>Стабилност</a:t>
+            </a:r>
+            <a:r>
+              <a:rPr lang="bg-BG" dirty="0"/>
+              <a:t> (дали елементите се разместват по друг критерий, ако по критерия по който подреждаме са равни)</a:t>
+            </a:r>
+          </a:p>
+          <a:p>
+            <a:pPr lvl="1"/>
+            <a:r>
+              <a:rPr lang="bg-BG" dirty="0">
+                <a:solidFill>
+                  <a:srgbClr val="FFA72A"/>
+                </a:solidFill>
+              </a:rPr>
+              <a:t>Реализацията</a:t>
+            </a:r>
+            <a:r>
+              <a:rPr lang="bg-BG" dirty="0"/>
+              <a:t> на метода зависи от </a:t>
+            </a:r>
+            <a:r>
+              <a:rPr lang="bg-BG" dirty="0">
+                <a:solidFill>
+                  <a:srgbClr val="FFA72A"/>
+                </a:solidFill>
+              </a:rPr>
+              <a:t>структурата</a:t>
+            </a:r>
             <a:r>
               <a:rPr lang="bg-BG" dirty="0"/>
               <a:t> </a:t>
@@ -8605,82 +8759,7 @@
                   <a:srgbClr val="FFA72A"/>
                 </a:solidFill>
               </a:rPr>
-              <a:t>сложността</a:t>
-            </a:r>
-            <a:r>
-              <a:rPr lang="bg-BG" dirty="0"/>
-              <a:t> (брой сравнения и размени на елементи)</a:t>
-            </a:r>
-          </a:p>
-          <a:p>
-            <a:pPr>
-              <a:lnSpc>
-                <a:spcPct val="100000"/>
-              </a:lnSpc>
-              <a:buFont typeface="Wingdings" panose="05000000000000000000" pitchFamily="2" charset="2"/>
-              <a:buChar char="ü"/>
-            </a:pPr>
-            <a:r>
-              <a:rPr lang="bg-BG" dirty="0">
-                <a:solidFill>
-                  <a:srgbClr val="FFA72A"/>
-                </a:solidFill>
-              </a:rPr>
-              <a:t>Използвани ресурси </a:t>
-            </a:r>
-            <a:r>
-              <a:rPr lang="bg-BG" dirty="0"/>
-              <a:t>(памет)</a:t>
-            </a:r>
-          </a:p>
-          <a:p>
-            <a:pPr>
-              <a:lnSpc>
-                <a:spcPct val="100000"/>
-              </a:lnSpc>
-              <a:buFont typeface="Wingdings" panose="05000000000000000000" pitchFamily="2" charset="2"/>
-              <a:buChar char="ü"/>
-            </a:pPr>
-            <a:r>
-              <a:rPr lang="bg-BG" dirty="0">
-                <a:solidFill>
-                  <a:srgbClr val="FFA72A"/>
-                </a:solidFill>
-              </a:rPr>
-              <a:t>Стабилност</a:t>
-            </a:r>
-            <a:r>
-              <a:rPr lang="bg-BG" dirty="0"/>
-              <a:t> (дали елементите се разместват по друг критерий, ако по критерия по който подреждаме са равни )</a:t>
-            </a:r>
-          </a:p>
-          <a:p>
-            <a:pPr>
-              <a:lnSpc>
-                <a:spcPct val="100000"/>
-              </a:lnSpc>
-              <a:buFont typeface="Wingdings" panose="05000000000000000000" pitchFamily="2" charset="2"/>
-              <a:buChar char="ü"/>
-            </a:pPr>
-            <a:r>
-              <a:rPr lang="bg-BG" dirty="0">
-                <a:solidFill>
-                  <a:srgbClr val="FFA72A"/>
-                </a:solidFill>
-              </a:rPr>
-              <a:t>Реализацията</a:t>
-            </a:r>
-            <a:r>
-              <a:rPr lang="bg-BG" dirty="0"/>
-              <a:t> на метода зависи от </a:t>
-            </a:r>
-            <a:r>
-              <a:rPr lang="bg-BG" dirty="0">
-                <a:solidFill>
-                  <a:srgbClr val="FFA72A"/>
-                </a:solidFill>
-              </a:rPr>
-              <a:t>структурата</a:t>
+              <a:t>на</a:t>
             </a:r>
             <a:r>
               <a:rPr lang="bg-BG" dirty="0"/>
@@ -8692,41 +8771,12 @@
                   <a:srgbClr val="FFA72A"/>
                 </a:solidFill>
               </a:rPr>
-              <a:t>на</a:t>
+              <a:t>паметта</a:t>
             </a:r>
             <a:r>
               <a:rPr lang="bg-BG" dirty="0"/>
-              <a:t> </a:t>
-            </a:r>
-            <a:r>
-              <a:rPr lang="bg-BG" dirty="0">
-                <a:solidFill>
-                  <a:srgbClr val="FFA72A"/>
-                </a:solidFill>
-              </a:rPr>
-              <a:t>паметта</a:t>
-            </a:r>
-            <a:r>
-              <a:rPr lang="bg-BG" dirty="0"/>
-              <a:t>, в която са записани данните.</a:t>
-            </a:r>
-          </a:p>
-          <a:p>
-            <a:pPr>
-              <a:lnSpc>
-                <a:spcPct val="100000"/>
-              </a:lnSpc>
-              <a:buFont typeface="Wingdings" panose="05000000000000000000" pitchFamily="2" charset="2"/>
-              <a:buChar char="ü"/>
-            </a:pPr>
-            <a:endParaRPr lang="bg-BG" dirty="0"/>
-          </a:p>
-          <a:p>
-            <a:pPr>
-              <a:lnSpc>
-                <a:spcPct val="100000"/>
-              </a:lnSpc>
-            </a:pPr>
+              <a:t>, в която са записани данните</a:t>
+            </a:r>
             <a:endParaRPr lang="en-US" dirty="0">
               <a:solidFill>
                 <a:schemeClr val="accent1"/>
@@ -8748,7 +8798,7 @@
         <p:spPr/>
         <p:txBody>
           <a:bodyPr>
-            <a:normAutofit fontScale="90000"/>
+            <a:normAutofit/>
           </a:bodyPr>
           <a:lstStyle/>
           <a:p>
@@ -9196,7 +9246,7 @@
           <a:p>
             <a:pPr>
               <a:lnSpc>
-                <a:spcPct val="100000"/>
+                <a:spcPct val="120000"/>
               </a:lnSpc>
             </a:pPr>
             <a:r>
@@ -9211,11 +9261,24 @@
               </a:rPr>
               <a:t>мехурчето</a:t>
             </a:r>
+            <a:r>
+              <a:rPr lang="en-US" dirty="0">
+                <a:solidFill>
+                  <a:srgbClr val="FFA72A"/>
+                </a:solidFill>
+              </a:rPr>
+              <a:t> (bubble sort)</a:t>
+            </a:r>
+            <a:endParaRPr lang="bg-BG" dirty="0">
+              <a:solidFill>
+                <a:srgbClr val="FFA72A"/>
+              </a:solidFill>
+            </a:endParaRPr>
           </a:p>
           <a:p>
             <a:pPr>
               <a:lnSpc>
-                <a:spcPct val="100000"/>
+                <a:spcPct val="120000"/>
               </a:lnSpc>
             </a:pPr>
             <a:r>
@@ -9226,11 +9289,24 @@
               </a:rPr>
               <a:t>Пряка селекция</a:t>
             </a:r>
+            <a:r>
+              <a:rPr lang="en-US" dirty="0">
+                <a:solidFill>
+                  <a:srgbClr val="FFA72A"/>
+                </a:solidFill>
+              </a:rPr>
+              <a:t> (selection sort)</a:t>
+            </a:r>
+            <a:endParaRPr lang="bg-BG" dirty="0">
+              <a:solidFill>
+                <a:srgbClr val="FFA72A"/>
+              </a:solidFill>
+            </a:endParaRPr>
           </a:p>
           <a:p>
             <a:pPr>
               <a:lnSpc>
-                <a:spcPct val="100000"/>
+                <a:spcPct val="120000"/>
               </a:lnSpc>
             </a:pPr>
             <a:r>
@@ -9245,11 +9321,24 @@
               </a:rPr>
               <a:t>вмъкване</a:t>
             </a:r>
+            <a:r>
+              <a:rPr lang="en-US" dirty="0">
+                <a:solidFill>
+                  <a:srgbClr val="FFA72A"/>
+                </a:solidFill>
+              </a:rPr>
+              <a:t> (insertion sort)</a:t>
+            </a:r>
+            <a:endParaRPr lang="bg-BG" dirty="0">
+              <a:solidFill>
+                <a:srgbClr val="FFA72A"/>
+              </a:solidFill>
+            </a:endParaRPr>
           </a:p>
           <a:p>
             <a:pPr>
               <a:lnSpc>
-                <a:spcPct val="100000"/>
+                <a:spcPct val="120000"/>
               </a:lnSpc>
             </a:pPr>
             <a:r>
@@ -9258,31 +9347,16 @@
                   <a:srgbClr val="FFA72A"/>
                 </a:solidFill>
               </a:rPr>
-              <a:t>Бърза сортировка</a:t>
-            </a:r>
-          </a:p>
-          <a:p>
-            <a:pPr>
-              <a:lnSpc>
-                <a:spcPct val="100000"/>
-              </a:lnSpc>
-            </a:pPr>
-            <a:endParaRPr lang="bg-BG" dirty="0"/>
-          </a:p>
-          <a:p>
-            <a:pPr>
-              <a:lnSpc>
-                <a:spcPct val="100000"/>
-              </a:lnSpc>
-            </a:pPr>
-            <a:endParaRPr lang="bg-BG" dirty="0"/>
-          </a:p>
-          <a:p>
-            <a:pPr>
-              <a:lnSpc>
-                <a:spcPct val="100000"/>
-              </a:lnSpc>
-            </a:pPr>
+              <a:t>Бърза сортировка (</a:t>
+            </a:r>
+            <a:r>
+              <a:rPr lang="en-US" dirty="0">
+                <a:solidFill>
+                  <a:srgbClr val="FFA72A"/>
+                </a:solidFill>
+              </a:rPr>
+              <a:t>quicksort)</a:t>
+            </a:r>
             <a:endParaRPr lang="en-US" dirty="0">
               <a:solidFill>
                 <a:schemeClr val="accent1"/>
@@ -10273,7 +10347,7 @@
         <p:spPr>
           <a:xfrm>
             <a:off x="494370" y="946628"/>
-            <a:ext cx="6019799" cy="5604199"/>
+            <a:ext cx="6852516" cy="5204090"/>
           </a:xfrm>
           <a:prstGeom prst="rect">
             <a:avLst/>
@@ -10465,7 +10539,7 @@
           </a:lstStyle>
           <a:p>
             <a:r>
-              <a:rPr lang="en-US" sz="1400" dirty="0">
+              <a:rPr lang="en-US" sz="1800" dirty="0">
                 <a:solidFill>
                   <a:schemeClr val="tx1"/>
                 </a:solidFill>
@@ -10473,7 +10547,7 @@
               <a:t>using System;</a:t>
             </a:r>
             <a:r>
-              <a:rPr lang="en-US" sz="1400" dirty="0">
+              <a:rPr lang="en-US" sz="1800" dirty="0">
                 <a:solidFill>
                   <a:schemeClr val="tx2">
                     <a:lumMod val="75000"/>
@@ -10485,7 +10559,7 @@
           </a:p>
           <a:p>
             <a:r>
-              <a:rPr lang="en-US" sz="1400" dirty="0">
+              <a:rPr lang="en-US" sz="1800" dirty="0">
                 <a:solidFill>
                   <a:schemeClr val="tx1"/>
                 </a:solidFill>
@@ -10495,7 +10569,7 @@
           </a:p>
           <a:p>
             <a:r>
-              <a:rPr lang="en-US" sz="1400" dirty="0">
+              <a:rPr lang="en-US" sz="1800" dirty="0">
                 <a:solidFill>
                   <a:schemeClr val="tx1"/>
                 </a:solidFill>
@@ -10505,37 +10579,37 @@
           </a:p>
           <a:p>
             <a:r>
-              <a:rPr lang="en-US" sz="1400" dirty="0">
+              <a:rPr lang="en-US" sz="1800" dirty="0">
                 <a:solidFill>
                   <a:schemeClr val="tx1"/>
                 </a:solidFill>
               </a:rPr>
-              <a:t>   public static void Main()</a:t>
-            </a:r>
-          </a:p>
-          <a:p>
-            <a:r>
-              <a:rPr lang="en-US" sz="1400" dirty="0">
+              <a:t>  public static void Main()</a:t>
+            </a:r>
+          </a:p>
+          <a:p>
+            <a:r>
+              <a:rPr lang="en-US" sz="1800" dirty="0">
                 <a:solidFill>
                   <a:schemeClr val="tx1"/>
                 </a:solidFill>
               </a:rPr>
-              <a:t>     {</a:t>
-            </a:r>
-          </a:p>
-          <a:p>
-            <a:r>
-              <a:rPr lang="en-US" sz="1400" dirty="0">
+              <a:t>  {</a:t>
+            </a:r>
+          </a:p>
+          <a:p>
+            <a:r>
+              <a:rPr lang="en-US" sz="1800" dirty="0">
                 <a:solidFill>
                   <a:schemeClr val="tx2">
                     <a:lumMod val="75000"/>
                   </a:schemeClr>
                 </a:solidFill>
               </a:rPr>
-              <a:t>        int[] </a:t>
-            </a:r>
-            <a:r>
-              <a:rPr lang="en-US" sz="1400" dirty="0">
+              <a:t>    int[] </a:t>
+            </a:r>
+            <a:r>
+              <a:rPr lang="en-US" sz="1800" dirty="0">
                 <a:solidFill>
                   <a:schemeClr val="tx1"/>
                 </a:solidFill>
@@ -10543,7 +10617,7 @@
               <a:t>arr</a:t>
             </a:r>
             <a:r>
-              <a:rPr lang="en-US" sz="1400" dirty="0">
+              <a:rPr lang="en-US" sz="1800" dirty="0">
                 <a:solidFill>
                   <a:schemeClr val="tx2">
                     <a:lumMod val="75000"/>
@@ -10553,7 +10627,7 @@
               <a:t> = new int[] { 2, 4, -5, 1, 10</a:t>
             </a:r>
             <a:r>
-              <a:rPr lang="bg-BG" sz="1400" dirty="0">
+              <a:rPr lang="bg-BG" sz="1800" dirty="0">
                 <a:solidFill>
                   <a:schemeClr val="tx2">
                     <a:lumMod val="75000"/>
@@ -10563,7 +10637,7 @@
               <a:t> </a:t>
             </a:r>
             <a:r>
-              <a:rPr lang="en-US" sz="1400" dirty="0">
+              <a:rPr lang="en-US" sz="1800" dirty="0">
                 <a:solidFill>
                   <a:schemeClr val="tx2">
                     <a:lumMod val="75000"/>
@@ -10575,17 +10649,17 @@
           </a:p>
           <a:p>
             <a:r>
-              <a:rPr lang="en-US" sz="1400" dirty="0">
+              <a:rPr lang="en-US" sz="1800" dirty="0">
                 <a:solidFill>
                   <a:schemeClr val="tx2">
                     <a:lumMod val="75000"/>
                   </a:schemeClr>
                 </a:solidFill>
               </a:rPr>
-              <a:t>        </a:t>
-            </a:r>
-            <a:r>
-              <a:rPr lang="en-US" sz="1400" dirty="0">
+              <a:t>    </a:t>
+            </a:r>
+            <a:r>
+              <a:rPr lang="en-US" sz="1800" dirty="0">
                 <a:solidFill>
                   <a:schemeClr val="tx1"/>
                 </a:solidFill>
@@ -10593,7 +10667,7 @@
               <a:t>for (int i = 0; i &lt; arr.</a:t>
             </a:r>
             <a:r>
-              <a:rPr lang="en-US" sz="1400" dirty="0">
+              <a:rPr lang="en-US" sz="1800" dirty="0">
                 <a:solidFill>
                   <a:schemeClr val="tx2">
                     <a:lumMod val="75000"/>
@@ -10603,7 +10677,7 @@
               <a:t>Length</a:t>
             </a:r>
             <a:r>
-              <a:rPr lang="en-US" sz="1400" dirty="0">
+              <a:rPr lang="en-US" sz="1800" dirty="0">
                 <a:solidFill>
                   <a:schemeClr val="tx1"/>
                 </a:solidFill>
@@ -10611,7 +10685,7 @@
               <a:t> </a:t>
             </a:r>
             <a:r>
-              <a:rPr lang="en-US" sz="1400" dirty="0">
+              <a:rPr lang="en-US" sz="1800" dirty="0">
                 <a:solidFill>
                   <a:schemeClr val="tx2">
                     <a:lumMod val="75000"/>
@@ -10621,7 +10695,7 @@
               <a:t>- 1</a:t>
             </a:r>
             <a:r>
-              <a:rPr lang="en-US" sz="1400" dirty="0">
+              <a:rPr lang="en-US" sz="1800" dirty="0">
                 <a:solidFill>
                   <a:schemeClr val="tx1"/>
                 </a:solidFill>
@@ -10629,7 +10703,7 @@
               <a:t>; i++</a:t>
             </a:r>
             <a:r>
-              <a:rPr lang="en-US" sz="1400" dirty="0">
+              <a:rPr lang="en-US" sz="1800" dirty="0">
                 <a:solidFill>
                   <a:schemeClr val="tx2">
                     <a:lumMod val="75000"/>
@@ -10641,87 +10715,151 @@
           </a:p>
           <a:p>
             <a:r>
-              <a:rPr lang="en-US" sz="1400" dirty="0">
+              <a:rPr lang="en-US" sz="1800" dirty="0">
+                <a:solidFill>
+                  <a:schemeClr val="tx1"/>
+                </a:solidFill>
+              </a:rPr>
+              <a:t>      for (int j = 0; j &lt; arr.</a:t>
+            </a:r>
+            <a:r>
+              <a:rPr lang="en-US" sz="1800" dirty="0">
                 <a:solidFill>
                   <a:schemeClr val="tx2">
                     <a:lumMod val="75000"/>
                   </a:schemeClr>
                 </a:solidFill>
               </a:rPr>
-              <a:t>        {</a:t>
-            </a:r>
-          </a:p>
-          <a:p>
-            <a:r>
-              <a:rPr lang="en-US" sz="1400" dirty="0">
+              <a:t>Length - 1; </a:t>
+            </a:r>
+            <a:r>
+              <a:rPr lang="en-US" sz="1800" dirty="0">
+                <a:solidFill>
+                  <a:schemeClr val="tx1"/>
+                </a:solidFill>
+              </a:rPr>
+              <a:t>j++)</a:t>
+            </a:r>
+          </a:p>
+          <a:p>
+            <a:r>
+              <a:rPr lang="en-US" sz="1800" dirty="0">
+                <a:solidFill>
+                  <a:schemeClr val="tx1"/>
+                </a:solidFill>
+              </a:rPr>
+              <a:t>        if (arr</a:t>
+            </a:r>
+            <a:r>
+              <a:rPr lang="en-US" sz="1800" dirty="0">
                 <a:solidFill>
                   <a:schemeClr val="tx2">
                     <a:lumMod val="75000"/>
                   </a:schemeClr>
                 </a:solidFill>
               </a:rPr>
-              <a:t>            </a:t>
-            </a:r>
-            <a:r>
-              <a:rPr lang="en-US" sz="1400" dirty="0">
+              <a:t>[</a:t>
+            </a:r>
+            <a:r>
+              <a:rPr lang="en-US" sz="1800" dirty="0">
                 <a:solidFill>
                   <a:schemeClr val="tx1"/>
                 </a:solidFill>
               </a:rPr>
-              <a:t>for (int j = 0; j &lt; arr.</a:t>
-            </a:r>
-            <a:r>
-              <a:rPr lang="en-US" sz="1400" dirty="0">
+              <a:t>j</a:t>
+            </a:r>
+            <a:r>
+              <a:rPr lang="en-US" sz="1800" dirty="0">
                 <a:solidFill>
                   <a:schemeClr val="tx2">
                     <a:lumMod val="75000"/>
                   </a:schemeClr>
                 </a:solidFill>
               </a:rPr>
-              <a:t>Length - 1; </a:t>
-            </a:r>
-            <a:r>
-              <a:rPr lang="en-US" sz="1400" dirty="0">
+              <a:t>]</a:t>
+            </a:r>
+            <a:r>
+              <a:rPr lang="en-US" sz="1800" dirty="0">
                 <a:solidFill>
                   <a:schemeClr val="tx1"/>
                 </a:solidFill>
               </a:rPr>
-              <a:t>j++)</a:t>
-            </a:r>
-          </a:p>
-          <a:p>
-            <a:r>
-              <a:rPr lang="en-US" sz="1400" dirty="0">
+              <a:t> &gt; arr</a:t>
+            </a:r>
+            <a:r>
+              <a:rPr lang="en-US" sz="1800" dirty="0">
                 <a:solidFill>
                   <a:schemeClr val="tx2">
                     <a:lumMod val="75000"/>
                   </a:schemeClr>
                 </a:solidFill>
               </a:rPr>
-              <a:t>            {</a:t>
-            </a:r>
-          </a:p>
-          <a:p>
-            <a:r>
-              <a:rPr lang="en-US" sz="1400" dirty="0">
+              <a:t>[</a:t>
+            </a:r>
+            <a:r>
+              <a:rPr lang="en-US" sz="1800" dirty="0">
+                <a:solidFill>
+                  <a:schemeClr val="tx1"/>
+                </a:solidFill>
+              </a:rPr>
+              <a:t>j + 1</a:t>
+            </a:r>
+            <a:r>
+              <a:rPr lang="en-US" sz="1800" dirty="0">
                 <a:solidFill>
                   <a:schemeClr val="tx2">
                     <a:lumMod val="75000"/>
                   </a:schemeClr>
                 </a:solidFill>
               </a:rPr>
-              <a:t>                </a:t>
-            </a:r>
-            <a:r>
-              <a:rPr lang="en-US" sz="1400" dirty="0">
+              <a:t>]</a:t>
+            </a:r>
+            <a:r>
+              <a:rPr lang="en-US" sz="1800" dirty="0">
                 <a:solidFill>
                   <a:schemeClr val="tx1"/>
                 </a:solidFill>
               </a:rPr>
-              <a:t>if (arr</a:t>
-            </a:r>
-            <a:r>
-              <a:rPr lang="en-US" sz="1400" dirty="0">
+              <a:t>) </a:t>
+            </a:r>
+          </a:p>
+          <a:p>
+            <a:r>
+              <a:rPr lang="en-US" sz="1800" dirty="0">
+                <a:solidFill>
+                  <a:schemeClr val="tx1"/>
+                </a:solidFill>
+              </a:rPr>
+              <a:t>        {</a:t>
+            </a:r>
+          </a:p>
+          <a:p>
+            <a:r>
+              <a:rPr lang="en-US" sz="1800" dirty="0">
+                <a:solidFill>
+                  <a:schemeClr val="tx1"/>
+                </a:solidFill>
+              </a:rPr>
+              <a:t>          int </a:t>
+            </a:r>
+            <a:r>
+              <a:rPr lang="en-US" sz="1800" dirty="0">
+                <a:solidFill>
+                  <a:srgbClr val="00B0F0"/>
+                </a:solidFill>
+              </a:rPr>
+              <a:t>swapVar</a:t>
+            </a:r>
+            <a:r>
+              <a:rPr lang="en-US" sz="1800" dirty="0">
+                <a:solidFill>
+                  <a:schemeClr val="tx1"/>
+                </a:solidFill>
+              </a:rPr>
+              <a:t> = arr</a:t>
+            </a:r>
+            <a:r>
+              <a:rPr lang="en-US" sz="1800" dirty="0">
                 <a:solidFill>
                   <a:schemeClr val="tx2">
                     <a:lumMod val="75000"/>
@@ -10731,7 +10869,7 @@
               <a:t>[</a:t>
             </a:r>
             <a:r>
-              <a:rPr lang="en-US" sz="1400" dirty="0">
+              <a:rPr lang="en-US" sz="1800" dirty="0">
                 <a:solidFill>
                   <a:schemeClr val="tx1"/>
                 </a:solidFill>
@@ -10739,7 +10877,7 @@
               <a:t>j</a:t>
             </a:r>
             <a:r>
-              <a:rPr lang="en-US" sz="1400" dirty="0">
+              <a:rPr lang="en-US" sz="1800" dirty="0">
                 <a:solidFill>
                   <a:schemeClr val="tx2">
                     <a:lumMod val="75000"/>
@@ -10749,15 +10887,25 @@
               <a:t>]</a:t>
             </a:r>
             <a:r>
-              <a:rPr lang="en-US" sz="1400" dirty="0">
+              <a:rPr lang="en-US" sz="1800" dirty="0">
                 <a:solidFill>
                   <a:schemeClr val="tx1"/>
                 </a:solidFill>
               </a:rPr>
-              <a:t> &gt; arr</a:t>
-            </a:r>
-            <a:r>
-              <a:rPr lang="en-US" sz="1400" dirty="0">
+              <a:t>;</a:t>
+            </a:r>
+          </a:p>
+          <a:p>
+            <a:r>
+              <a:rPr lang="en-US" sz="1800" dirty="0">
+                <a:solidFill>
+                  <a:schemeClr val="tx1"/>
+                </a:solidFill>
+              </a:rPr>
+              <a:t>          arr</a:t>
+            </a:r>
+            <a:r>
+              <a:rPr lang="en-US" sz="1800" dirty="0">
                 <a:solidFill>
                   <a:schemeClr val="tx2">
                     <a:lumMod val="75000"/>
@@ -10767,15 +10915,15 @@
               <a:t>[</a:t>
             </a:r>
             <a:r>
-              <a:rPr lang="en-US" sz="1400" dirty="0">
+              <a:rPr lang="en-US" sz="1800" dirty="0">
                 <a:solidFill>
                   <a:schemeClr val="tx1"/>
                 </a:solidFill>
               </a:rPr>
-              <a:t>j + 1</a:t>
-            </a:r>
-            <a:r>
-              <a:rPr lang="en-US" sz="1400" dirty="0">
+              <a:t>j</a:t>
+            </a:r>
+            <a:r>
+              <a:rPr lang="en-US" sz="1800" dirty="0">
                 <a:solidFill>
                   <a:schemeClr val="tx2">
                     <a:lumMod val="75000"/>
@@ -10785,51 +10933,15 @@
               <a:t>]</a:t>
             </a:r>
             <a:r>
-              <a:rPr lang="en-US" sz="1400" dirty="0">
+              <a:rPr lang="en-US" sz="1800" dirty="0">
                 <a:solidFill>
                   <a:schemeClr val="tx1"/>
                 </a:solidFill>
               </a:rPr>
-              <a:t>) </a:t>
-            </a:r>
-          </a:p>
-          <a:p>
-            <a:r>
-              <a:rPr lang="en-US" sz="1400" dirty="0">
-                <a:solidFill>
-                  <a:schemeClr val="tx1"/>
-                </a:solidFill>
-              </a:rPr>
-              <a:t>                {</a:t>
-            </a:r>
-          </a:p>
-          <a:p>
-            <a:r>
-              <a:rPr lang="en-US" sz="1400" dirty="0">
-                <a:solidFill>
-                  <a:schemeClr val="tx1"/>
-                </a:solidFill>
-              </a:rPr>
-              <a:t>                    int </a:t>
-            </a:r>
-            <a:r>
-              <a:rPr lang="en-US" sz="1400" dirty="0">
-                <a:solidFill>
-                  <a:srgbClr val="00B0F0"/>
-                </a:solidFill>
-              </a:rPr>
-              <a:t>swapVar</a:t>
-            </a:r>
-            <a:r>
-              <a:rPr lang="en-US" sz="1400" dirty="0">
-                <a:solidFill>
-                  <a:schemeClr val="tx1"/>
-                </a:solidFill>
-              </a:rPr>
               <a:t> = arr</a:t>
             </a:r>
             <a:r>
-              <a:rPr lang="en-US" sz="1400" dirty="0">
+              <a:rPr lang="en-US" sz="1800" dirty="0">
                 <a:solidFill>
                   <a:schemeClr val="tx2">
                     <a:lumMod val="75000"/>
@@ -10839,15 +10951,15 @@
               <a:t>[</a:t>
             </a:r>
             <a:r>
-              <a:rPr lang="en-US" sz="1400" dirty="0">
+              <a:rPr lang="en-US" sz="1800" dirty="0">
                 <a:solidFill>
                   <a:schemeClr val="tx1"/>
                 </a:solidFill>
               </a:rPr>
-              <a:t>j</a:t>
-            </a:r>
-            <a:r>
-              <a:rPr lang="en-US" sz="1400" dirty="0">
+              <a:t>j + 1</a:t>
+            </a:r>
+            <a:r>
+              <a:rPr lang="en-US" sz="1800" dirty="0">
                 <a:solidFill>
                   <a:schemeClr val="tx2">
                     <a:lumMod val="75000"/>
@@ -10857,7 +10969,7 @@
               <a:t>]</a:t>
             </a:r>
             <a:r>
-              <a:rPr lang="en-US" sz="1400" dirty="0">
+              <a:rPr lang="en-US" sz="1800" dirty="0">
                 <a:solidFill>
                   <a:schemeClr val="tx1"/>
                 </a:solidFill>
@@ -10867,15 +10979,15 @@
           </a:p>
           <a:p>
             <a:r>
-              <a:rPr lang="en-US" sz="1400" dirty="0">
+              <a:rPr lang="en-US" sz="1800" dirty="0">
                 <a:solidFill>
                   <a:schemeClr val="tx1"/>
                 </a:solidFill>
               </a:rPr>
-              <a:t>                    arr</a:t>
-            </a:r>
-            <a:r>
-              <a:rPr lang="en-US" sz="1400" dirty="0">
+              <a:t>          arr</a:t>
+            </a:r>
+            <a:r>
+              <a:rPr lang="en-US" sz="1800" dirty="0">
                 <a:solidFill>
                   <a:schemeClr val="tx2">
                     <a:lumMod val="75000"/>
@@ -10885,15 +10997,15 @@
               <a:t>[</a:t>
             </a:r>
             <a:r>
-              <a:rPr lang="en-US" sz="1400" dirty="0">
+              <a:rPr lang="en-US" sz="1800" dirty="0">
                 <a:solidFill>
                   <a:schemeClr val="tx1"/>
                 </a:solidFill>
               </a:rPr>
-              <a:t>j</a:t>
-            </a:r>
-            <a:r>
-              <a:rPr lang="en-US" sz="1400" dirty="0">
+              <a:t>j + 1</a:t>
+            </a:r>
+            <a:r>
+              <a:rPr lang="en-US" sz="1800" dirty="0">
                 <a:solidFill>
                   <a:schemeClr val="tx2">
                     <a:lumMod val="75000"/>
@@ -10903,249 +11015,143 @@
               <a:t>]</a:t>
             </a:r>
             <a:r>
-              <a:rPr lang="en-US" sz="1400" dirty="0">
+              <a:rPr lang="en-US" sz="1800" dirty="0">
                 <a:solidFill>
                   <a:schemeClr val="tx1"/>
                 </a:solidFill>
               </a:rPr>
-              <a:t> = arr</a:t>
-            </a:r>
-            <a:r>
-              <a:rPr lang="en-US" sz="1400" dirty="0">
+              <a:t> = </a:t>
+            </a:r>
+            <a:r>
+              <a:rPr lang="en-US" sz="1800" dirty="0">
+                <a:solidFill>
+                  <a:srgbClr val="00B0F0"/>
+                </a:solidFill>
+              </a:rPr>
+              <a:t>swapVar</a:t>
+            </a:r>
+            <a:r>
+              <a:rPr lang="en-US" sz="1800" dirty="0">
+                <a:solidFill>
+                  <a:schemeClr val="tx1"/>
+                </a:solidFill>
+              </a:rPr>
+              <a:t>;</a:t>
+            </a:r>
+          </a:p>
+          <a:p>
+            <a:r>
+              <a:rPr lang="en-US" sz="1800" dirty="0">
+                <a:solidFill>
+                  <a:schemeClr val="tx1"/>
+                </a:solidFill>
+              </a:rPr>
+              <a:t>        }</a:t>
+            </a:r>
+          </a:p>
+          <a:p>
+            <a:r>
+              <a:rPr lang="en-US" sz="1800" dirty="0">
+                <a:solidFill>
+                  <a:schemeClr val="tx1"/>
+                </a:solidFill>
+              </a:rPr>
+              <a:t>    for (int i = 0; i &lt; arr.</a:t>
+            </a:r>
+            <a:r>
+              <a:rPr lang="en-US" sz="1800" dirty="0">
                 <a:solidFill>
                   <a:schemeClr val="tx2">
                     <a:lumMod val="75000"/>
                   </a:schemeClr>
                 </a:solidFill>
               </a:rPr>
-              <a:t>[</a:t>
-            </a:r>
-            <a:r>
-              <a:rPr lang="en-US" sz="1400" dirty="0">
+              <a:t>Length</a:t>
+            </a:r>
+            <a:r>
+              <a:rPr lang="en-US" sz="1800" dirty="0">
                 <a:solidFill>
                   <a:schemeClr val="tx1"/>
                 </a:solidFill>
               </a:rPr>
-              <a:t>j + 1</a:t>
-            </a:r>
-            <a:r>
-              <a:rPr lang="en-US" sz="1400" dirty="0">
+              <a:t>; i++) </a:t>
+            </a:r>
+          </a:p>
+          <a:p>
+            <a:r>
+              <a:rPr lang="en-US" sz="1800" dirty="0">
+                <a:solidFill>
+                  <a:schemeClr val="tx1"/>
+                </a:solidFill>
+              </a:rPr>
+              <a:t>      </a:t>
+            </a:r>
+            <a:r>
+              <a:rPr lang="en-US" sz="1800" dirty="0" err="1">
+                <a:solidFill>
+                  <a:schemeClr val="tx1"/>
+                </a:solidFill>
+              </a:rPr>
+              <a:t>Console.Write</a:t>
+            </a:r>
+            <a:r>
+              <a:rPr lang="en-US" sz="1800" dirty="0">
+                <a:solidFill>
+                  <a:schemeClr val="tx1"/>
+                </a:solidFill>
+              </a:rPr>
+              <a:t>(arr</a:t>
+            </a:r>
+            <a:r>
+              <a:rPr lang="en-US" sz="1800" dirty="0">
                 <a:solidFill>
                   <a:schemeClr val="tx2">
                     <a:lumMod val="75000"/>
                   </a:schemeClr>
                 </a:solidFill>
               </a:rPr>
-              <a:t>]</a:t>
-            </a:r>
-            <a:r>
-              <a:rPr lang="en-US" sz="1400" dirty="0">
+              <a:t>[</a:t>
+            </a:r>
+            <a:r>
+              <a:rPr lang="en-US" sz="1800" dirty="0">
                 <a:solidFill>
                   <a:schemeClr val="tx1"/>
                 </a:solidFill>
               </a:rPr>
-              <a:t>;</a:t>
-            </a:r>
-          </a:p>
-          <a:p>
-            <a:r>
-              <a:rPr lang="en-US" sz="1400" dirty="0">
-                <a:solidFill>
-                  <a:schemeClr val="tx1"/>
-                </a:solidFill>
-              </a:rPr>
-              <a:t>                    arr</a:t>
-            </a:r>
-            <a:r>
-              <a:rPr lang="en-US" sz="1400" dirty="0">
+              <a:t>i</a:t>
+            </a:r>
+            <a:r>
+              <a:rPr lang="en-US" sz="1800" dirty="0">
                 <a:solidFill>
                   <a:schemeClr val="tx2">
                     <a:lumMod val="75000"/>
                   </a:schemeClr>
                 </a:solidFill>
               </a:rPr>
-              <a:t>[</a:t>
-            </a:r>
-            <a:r>
-              <a:rPr lang="en-US" sz="1400" dirty="0">
+              <a:t>]</a:t>
+            </a:r>
+            <a:r>
+              <a:rPr lang="en-US" sz="1800" dirty="0">
                 <a:solidFill>
                   <a:schemeClr val="tx1"/>
                 </a:solidFill>
               </a:rPr>
-              <a:t>j + 1</a:t>
-            </a:r>
-            <a:r>
-              <a:rPr lang="en-US" sz="1400" dirty="0">
-                <a:solidFill>
-                  <a:schemeClr val="tx2">
-                    <a:lumMod val="75000"/>
-                  </a:schemeClr>
-                </a:solidFill>
-              </a:rPr>
-              <a:t>]</a:t>
-            </a:r>
-            <a:r>
-              <a:rPr lang="en-US" sz="1400" dirty="0">
+              <a:t> + " ");</a:t>
+            </a:r>
+          </a:p>
+          <a:p>
+            <a:r>
+              <a:rPr lang="en-US" sz="1800" dirty="0">
                 <a:solidFill>
                   <a:schemeClr val="tx1"/>
                 </a:solidFill>
               </a:rPr>
-              <a:t> = </a:t>
-            </a:r>
-            <a:r>
-              <a:rPr lang="en-US" sz="1400" dirty="0">
-                <a:solidFill>
-                  <a:srgbClr val="00B0F0"/>
-                </a:solidFill>
-              </a:rPr>
-              <a:t>swapVar</a:t>
-            </a:r>
-            <a:r>
-              <a:rPr lang="en-US" sz="1400" dirty="0">
-                <a:solidFill>
-                  <a:schemeClr val="tx1"/>
-                </a:solidFill>
-              </a:rPr>
-              <a:t>;</a:t>
-            </a:r>
-          </a:p>
-          <a:p>
-            <a:r>
-              <a:rPr lang="en-US" sz="1400" dirty="0">
-                <a:solidFill>
-                  <a:schemeClr val="tx1"/>
-                </a:solidFill>
-              </a:rPr>
-              <a:t>                }</a:t>
-            </a:r>
-          </a:p>
-          <a:p>
-            <a:r>
-              <a:rPr lang="en-US" sz="1400" dirty="0">
-                <a:solidFill>
-                  <a:schemeClr val="tx1"/>
-                </a:solidFill>
-              </a:rPr>
-              <a:t>            }</a:t>
-            </a:r>
-          </a:p>
-          <a:p>
-            <a:r>
-              <a:rPr lang="en-US" sz="1400" dirty="0">
-                <a:solidFill>
-                  <a:schemeClr val="tx1"/>
-                </a:solidFill>
-              </a:rPr>
-              <a:t>        }</a:t>
-            </a:r>
-          </a:p>
-          <a:p>
-            <a:r>
-              <a:rPr lang="en-US" sz="1400" dirty="0">
-                <a:solidFill>
-                  <a:schemeClr val="tx1"/>
-                </a:solidFill>
-              </a:rPr>
-              <a:t>        for (int i = 0; i &lt; arr.</a:t>
-            </a:r>
-            <a:r>
-              <a:rPr lang="en-US" sz="1400" dirty="0">
-                <a:solidFill>
-                  <a:schemeClr val="tx2">
-                    <a:lumMod val="75000"/>
-                  </a:schemeClr>
-                </a:solidFill>
-              </a:rPr>
-              <a:t>Length</a:t>
-            </a:r>
-            <a:r>
-              <a:rPr lang="en-US" sz="1400" dirty="0">
-                <a:solidFill>
-                  <a:schemeClr val="tx1"/>
-                </a:solidFill>
-              </a:rPr>
-              <a:t>; i++) </a:t>
-            </a:r>
-          </a:p>
-          <a:p>
-            <a:r>
-              <a:rPr lang="en-US" sz="1400" dirty="0">
-                <a:solidFill>
-                  <a:schemeClr val="tx1"/>
-                </a:solidFill>
-              </a:rPr>
-              <a:t>        {</a:t>
-            </a:r>
-          </a:p>
-          <a:p>
-            <a:r>
-              <a:rPr lang="en-US" sz="1400" dirty="0">
-                <a:solidFill>
-                  <a:schemeClr val="tx1"/>
-                </a:solidFill>
-              </a:rPr>
-              <a:t>            Console.Write(arr</a:t>
-            </a:r>
-            <a:r>
-              <a:rPr lang="en-US" sz="1400" dirty="0">
-                <a:solidFill>
-                  <a:schemeClr val="tx2">
-                    <a:lumMod val="75000"/>
-                  </a:schemeClr>
-                </a:solidFill>
-              </a:rPr>
-              <a:t>[</a:t>
-            </a:r>
-            <a:r>
-              <a:rPr lang="en-US" sz="1400" dirty="0">
-                <a:solidFill>
-                  <a:schemeClr val="tx1"/>
-                </a:solidFill>
-              </a:rPr>
-              <a:t>i</a:t>
-            </a:r>
-            <a:r>
-              <a:rPr lang="en-US" sz="1400" dirty="0">
-                <a:solidFill>
-                  <a:schemeClr val="tx2">
-                    <a:lumMod val="75000"/>
-                  </a:schemeClr>
-                </a:solidFill>
-              </a:rPr>
-              <a:t>]</a:t>
-            </a:r>
-            <a:r>
-              <a:rPr lang="en-US" sz="1400" dirty="0">
-                <a:solidFill>
-                  <a:schemeClr val="tx1"/>
-                </a:solidFill>
-              </a:rPr>
-              <a:t> + " ");</a:t>
-            </a:r>
-          </a:p>
-          <a:p>
-            <a:r>
-              <a:rPr lang="en-US" sz="1400" dirty="0">
-                <a:solidFill>
-                  <a:schemeClr val="tx1"/>
-                </a:solidFill>
-              </a:rPr>
-              <a:t>        }</a:t>
-            </a:r>
-          </a:p>
-          <a:p>
-            <a:r>
-              <a:rPr lang="en-US" sz="1400" dirty="0">
-                <a:solidFill>
-                  <a:schemeClr val="tx1"/>
-                </a:solidFill>
-              </a:rPr>
-              <a:t>    }</a:t>
-            </a:r>
-          </a:p>
-          <a:p>
-            <a:r>
-              <a:rPr lang="en-US" sz="1400" dirty="0">
+              <a:t>  }</a:t>
+            </a:r>
+          </a:p>
+          <a:p>
+            <a:r>
+              <a:rPr lang="en-US" sz="1800" dirty="0">
                 <a:solidFill>
                   <a:schemeClr val="tx1"/>
                 </a:solidFill>
@@ -15335,10 +15341,9 @@
           <a:lstStyle/>
           <a:p>
             <a:r>
-              <a:rPr lang="bg-BG" b="0" dirty="0"/>
+              <a:rPr lang="bg-BG" dirty="0"/>
               <a:t>Сортиране чрез вмъкване</a:t>
             </a:r>
-            <a:endParaRPr lang="bg-BG" dirty="0"/>
           </a:p>
         </p:txBody>
       </p:sp>

--- a/Courses/Applied-Programmer/Programming-Fundamentals/03-Масиви-и-списъци/12.Работа-с-масиви-сортиране.pptx
+++ b/Courses/Applied-Programmer/Programming-Fundamentals/03-Масиви-и-списъци/12.Работа-с-масиви-сортиране.pptx
@@ -343,7 +343,7 @@
             <a:fld id="{FE5B4EDC-59C0-49C7-8ADA-5A781B329E02}" type="datetimeFigureOut">
               <a:rPr lang="en-US"/>
               <a:pPr/>
-              <a:t>10-Nov-20</a:t>
+              <a:t>13-Nov-20</a:t>
             </a:fld>
             <a:endParaRPr dirty="0"/>
           </a:p>
@@ -641,7 +641,7 @@
             <a:fld id="{F2D8D46A-B586-417D-BFBD-8C8FE0AAF762}" type="datetimeFigureOut">
               <a:rPr lang="en-US" smtClean="0"/>
               <a:pPr/>
-              <a:t>10-Nov-20</a:t>
+              <a:t>13-Nov-20</a:t>
             </a:fld>
             <a:endParaRPr lang="en-US" dirty="0"/>
           </a:p>
@@ -5758,6 +5758,147 @@
           </a:p>
         </p:txBody>
       </p:sp>
+      <p:sp>
+        <p:nvSpPr>
+          <p:cNvPr id="7" name="Rectangle 6"/>
+          <p:cNvSpPr/>
+          <p:nvPr/>
+        </p:nvSpPr>
+        <p:spPr>
+          <a:xfrm>
+            <a:off x="2270898" y="6324600"/>
+            <a:ext cx="7647030" cy="461665"/>
+          </a:xfrm>
+          <a:prstGeom prst="rect">
+            <a:avLst/>
+          </a:prstGeom>
+        </p:spPr>
+        <p:txBody>
+          <a:bodyPr wrap="none">
+            <a:spAutoFit/>
+          </a:bodyPr>
+          <a:lstStyle>
+            <a:defPPr>
+              <a:defRPr lang="en-US"/>
+            </a:defPPr>
+            <a:lvl1pPr marL="0" algn="l" defTabSz="1218987" rtl="0" eaLnBrk="1" latinLnBrk="0" hangingPunct="1">
+              <a:defRPr sz="2400" kern="1200">
+                <a:solidFill>
+                  <a:schemeClr val="tx1"/>
+                </a:solidFill>
+                <a:latin typeface="+mn-lt"/>
+                <a:ea typeface="+mn-ea"/>
+                <a:cs typeface="+mn-cs"/>
+              </a:defRPr>
+            </a:lvl1pPr>
+            <a:lvl2pPr marL="609493" algn="l" defTabSz="1218987" rtl="0" eaLnBrk="1" latinLnBrk="0" hangingPunct="1">
+              <a:defRPr sz="2400" kern="1200">
+                <a:solidFill>
+                  <a:schemeClr val="tx1"/>
+                </a:solidFill>
+                <a:latin typeface="+mn-lt"/>
+                <a:ea typeface="+mn-ea"/>
+                <a:cs typeface="+mn-cs"/>
+              </a:defRPr>
+            </a:lvl2pPr>
+            <a:lvl3pPr marL="1218987" algn="l" defTabSz="1218987" rtl="0" eaLnBrk="1" latinLnBrk="0" hangingPunct="1">
+              <a:defRPr sz="2400" kern="1200">
+                <a:solidFill>
+                  <a:schemeClr val="tx1"/>
+                </a:solidFill>
+                <a:latin typeface="+mn-lt"/>
+                <a:ea typeface="+mn-ea"/>
+                <a:cs typeface="+mn-cs"/>
+              </a:defRPr>
+            </a:lvl3pPr>
+            <a:lvl4pPr marL="1828480" algn="l" defTabSz="1218987" rtl="0" eaLnBrk="1" latinLnBrk="0" hangingPunct="1">
+              <a:defRPr sz="2400" kern="1200">
+                <a:solidFill>
+                  <a:schemeClr val="tx1"/>
+                </a:solidFill>
+                <a:latin typeface="+mn-lt"/>
+                <a:ea typeface="+mn-ea"/>
+                <a:cs typeface="+mn-cs"/>
+              </a:defRPr>
+            </a:lvl4pPr>
+            <a:lvl5pPr marL="2437973" algn="l" defTabSz="1218987" rtl="0" eaLnBrk="1" latinLnBrk="0" hangingPunct="1">
+              <a:defRPr sz="2400" kern="1200">
+                <a:solidFill>
+                  <a:schemeClr val="tx1"/>
+                </a:solidFill>
+                <a:latin typeface="+mn-lt"/>
+                <a:ea typeface="+mn-ea"/>
+                <a:cs typeface="+mn-cs"/>
+              </a:defRPr>
+            </a:lvl5pPr>
+            <a:lvl6pPr marL="3047467" algn="l" defTabSz="1218987" rtl="0" eaLnBrk="1" latinLnBrk="0" hangingPunct="1">
+              <a:defRPr sz="2400" kern="1200">
+                <a:solidFill>
+                  <a:schemeClr val="tx1"/>
+                </a:solidFill>
+                <a:latin typeface="+mn-lt"/>
+                <a:ea typeface="+mn-ea"/>
+                <a:cs typeface="+mn-cs"/>
+              </a:defRPr>
+            </a:lvl6pPr>
+            <a:lvl7pPr marL="3656960" algn="l" defTabSz="1218987" rtl="0" eaLnBrk="1" latinLnBrk="0" hangingPunct="1">
+              <a:defRPr sz="2400" kern="1200">
+                <a:solidFill>
+                  <a:schemeClr val="tx1"/>
+                </a:solidFill>
+                <a:latin typeface="+mn-lt"/>
+                <a:ea typeface="+mn-ea"/>
+                <a:cs typeface="+mn-cs"/>
+              </a:defRPr>
+            </a:lvl7pPr>
+            <a:lvl8pPr marL="4266453" algn="l" defTabSz="1218987" rtl="0" eaLnBrk="1" latinLnBrk="0" hangingPunct="1">
+              <a:defRPr sz="2400" kern="1200">
+                <a:solidFill>
+                  <a:schemeClr val="tx1"/>
+                </a:solidFill>
+                <a:latin typeface="+mn-lt"/>
+                <a:ea typeface="+mn-ea"/>
+                <a:cs typeface="+mn-cs"/>
+              </a:defRPr>
+            </a:lvl8pPr>
+            <a:lvl9pPr marL="4875947" algn="l" defTabSz="1218987" rtl="0" eaLnBrk="1" latinLnBrk="0" hangingPunct="1">
+              <a:defRPr sz="2400" kern="1200">
+                <a:solidFill>
+                  <a:schemeClr val="tx1"/>
+                </a:solidFill>
+                <a:latin typeface="+mn-lt"/>
+                <a:ea typeface="+mn-ea"/>
+                <a:cs typeface="+mn-cs"/>
+              </a:defRPr>
+            </a:lvl9pPr>
+          </a:lstStyle>
+          <a:p>
+            <a:r>
+              <a:rPr lang="bg-BG" dirty="0" smtClean="0"/>
+              <a:t>Тествайте</a:t>
+            </a:r>
+            <a:r>
+              <a:rPr lang="en-US" dirty="0" smtClean="0"/>
+              <a:t> </a:t>
+            </a:r>
+            <a:r>
+              <a:rPr lang="en-US" dirty="0"/>
+              <a:t>в Judge: </a:t>
+            </a:r>
+            <a:r>
+              <a:rPr lang="en-US" dirty="0"/>
+              <a:t>https://</a:t>
+            </a:r>
+            <a:r>
+              <a:rPr lang="en-US" dirty="0" smtClean="0">
+                <a:hlinkClick r:id="rId2"/>
+              </a:rPr>
+              <a:t>judge.softuni.bg/Contests/2655</a:t>
+            </a:r>
+            <a:endParaRPr lang="en-US" dirty="0"/>
+          </a:p>
+        </p:txBody>
+      </p:sp>
     </p:spTree>
     <p:extLst>
       <p:ext uri="{BB962C8B-B14F-4D97-AF65-F5344CB8AC3E}">
@@ -6733,6 +6874,10 @@
             <a:r>
               <a:rPr lang="bg-BG" sz="3200" dirty="0"/>
               <a:t>Познати са различни методи за сортиране на масиви: </a:t>
+            </a:r>
+            <a:r>
+              <a:rPr lang="ru-RU" sz="3200" u="sng" dirty="0"/>
+              <a:t/>
             </a:r>
             <a:br>
               <a:rPr lang="ru-RU" sz="3200" u="sng" dirty="0"/>
@@ -9717,7 +9862,7 @@
         </p:nvGraphicFramePr>
         <p:xfrm>
           <a:off x="8225218" y="1828800"/>
-          <a:ext cx="2941320" cy="342900"/>
+          <a:ext cx="2941320" cy="304800"/>
         </p:xfrm>
         <a:graphic>
           <a:graphicData uri="http://schemas.openxmlformats.org/drawingml/2006/table">
@@ -11304,7 +11449,7 @@
         </p:nvGraphicFramePr>
         <p:xfrm>
           <a:off x="8598104" y="5605838"/>
-          <a:ext cx="2941320" cy="342900"/>
+          <a:ext cx="2941320" cy="304800"/>
         </p:xfrm>
         <a:graphic>
           <a:graphicData uri="http://schemas.openxmlformats.org/drawingml/2006/table">
@@ -12765,7 +12910,7 @@
         </p:nvGraphicFramePr>
         <p:xfrm>
           <a:off x="8225218" y="1828800"/>
-          <a:ext cx="2941320" cy="342900"/>
+          <a:ext cx="2941320" cy="304800"/>
         </p:xfrm>
         <a:graphic>
           <a:graphicData uri="http://schemas.openxmlformats.org/drawingml/2006/table">
@@ -14094,7 +14239,7 @@
         </p:nvGraphicFramePr>
         <p:xfrm>
           <a:off x="8598104" y="5605838"/>
-          <a:ext cx="2941320" cy="342900"/>
+          <a:ext cx="2941320" cy="304800"/>
         </p:xfrm>
         <a:graphic>
           <a:graphicData uri="http://schemas.openxmlformats.org/drawingml/2006/table">
@@ -15578,7 +15723,7 @@
         </p:nvGraphicFramePr>
         <p:xfrm>
           <a:off x="8225218" y="1828800"/>
-          <a:ext cx="2941320" cy="342900"/>
+          <a:ext cx="2941320" cy="304800"/>
         </p:xfrm>
         <a:graphic>
           <a:graphicData uri="http://schemas.openxmlformats.org/drawingml/2006/table">
@@ -16766,7 +16911,7 @@
         </p:nvGraphicFramePr>
         <p:xfrm>
           <a:off x="8598104" y="5605838"/>
-          <a:ext cx="2941320" cy="342900"/>
+          <a:ext cx="2941320" cy="304800"/>
         </p:xfrm>
         <a:graphic>
           <a:graphicData uri="http://schemas.openxmlformats.org/drawingml/2006/table">
@@ -18306,6 +18451,147 @@
                 </a:prstClr>
               </a:solidFill>
             </a:endParaRPr>
+          </a:p>
+        </p:txBody>
+      </p:sp>
+      <p:sp>
+        <p:nvSpPr>
+          <p:cNvPr id="9" name="Rectangle 8"/>
+          <p:cNvSpPr/>
+          <p:nvPr/>
+        </p:nvSpPr>
+        <p:spPr>
+          <a:xfrm>
+            <a:off x="2270898" y="6167735"/>
+            <a:ext cx="7647030" cy="461665"/>
+          </a:xfrm>
+          <a:prstGeom prst="rect">
+            <a:avLst/>
+          </a:prstGeom>
+        </p:spPr>
+        <p:txBody>
+          <a:bodyPr wrap="none">
+            <a:spAutoFit/>
+          </a:bodyPr>
+          <a:lstStyle>
+            <a:defPPr>
+              <a:defRPr lang="en-US"/>
+            </a:defPPr>
+            <a:lvl1pPr marL="0" algn="l" defTabSz="1218987" rtl="0" eaLnBrk="1" latinLnBrk="0" hangingPunct="1">
+              <a:defRPr sz="2400" kern="1200">
+                <a:solidFill>
+                  <a:schemeClr val="tx1"/>
+                </a:solidFill>
+                <a:latin typeface="+mn-lt"/>
+                <a:ea typeface="+mn-ea"/>
+                <a:cs typeface="+mn-cs"/>
+              </a:defRPr>
+            </a:lvl1pPr>
+            <a:lvl2pPr marL="609493" algn="l" defTabSz="1218987" rtl="0" eaLnBrk="1" latinLnBrk="0" hangingPunct="1">
+              <a:defRPr sz="2400" kern="1200">
+                <a:solidFill>
+                  <a:schemeClr val="tx1"/>
+                </a:solidFill>
+                <a:latin typeface="+mn-lt"/>
+                <a:ea typeface="+mn-ea"/>
+                <a:cs typeface="+mn-cs"/>
+              </a:defRPr>
+            </a:lvl2pPr>
+            <a:lvl3pPr marL="1218987" algn="l" defTabSz="1218987" rtl="0" eaLnBrk="1" latinLnBrk="0" hangingPunct="1">
+              <a:defRPr sz="2400" kern="1200">
+                <a:solidFill>
+                  <a:schemeClr val="tx1"/>
+                </a:solidFill>
+                <a:latin typeface="+mn-lt"/>
+                <a:ea typeface="+mn-ea"/>
+                <a:cs typeface="+mn-cs"/>
+              </a:defRPr>
+            </a:lvl3pPr>
+            <a:lvl4pPr marL="1828480" algn="l" defTabSz="1218987" rtl="0" eaLnBrk="1" latinLnBrk="0" hangingPunct="1">
+              <a:defRPr sz="2400" kern="1200">
+                <a:solidFill>
+                  <a:schemeClr val="tx1"/>
+                </a:solidFill>
+                <a:latin typeface="+mn-lt"/>
+                <a:ea typeface="+mn-ea"/>
+                <a:cs typeface="+mn-cs"/>
+              </a:defRPr>
+            </a:lvl4pPr>
+            <a:lvl5pPr marL="2437973" algn="l" defTabSz="1218987" rtl="0" eaLnBrk="1" latinLnBrk="0" hangingPunct="1">
+              <a:defRPr sz="2400" kern="1200">
+                <a:solidFill>
+                  <a:schemeClr val="tx1"/>
+                </a:solidFill>
+                <a:latin typeface="+mn-lt"/>
+                <a:ea typeface="+mn-ea"/>
+                <a:cs typeface="+mn-cs"/>
+              </a:defRPr>
+            </a:lvl5pPr>
+            <a:lvl6pPr marL="3047467" algn="l" defTabSz="1218987" rtl="0" eaLnBrk="1" latinLnBrk="0" hangingPunct="1">
+              <a:defRPr sz="2400" kern="1200">
+                <a:solidFill>
+                  <a:schemeClr val="tx1"/>
+                </a:solidFill>
+                <a:latin typeface="+mn-lt"/>
+                <a:ea typeface="+mn-ea"/>
+                <a:cs typeface="+mn-cs"/>
+              </a:defRPr>
+            </a:lvl6pPr>
+            <a:lvl7pPr marL="3656960" algn="l" defTabSz="1218987" rtl="0" eaLnBrk="1" latinLnBrk="0" hangingPunct="1">
+              <a:defRPr sz="2400" kern="1200">
+                <a:solidFill>
+                  <a:schemeClr val="tx1"/>
+                </a:solidFill>
+                <a:latin typeface="+mn-lt"/>
+                <a:ea typeface="+mn-ea"/>
+                <a:cs typeface="+mn-cs"/>
+              </a:defRPr>
+            </a:lvl7pPr>
+            <a:lvl8pPr marL="4266453" algn="l" defTabSz="1218987" rtl="0" eaLnBrk="1" latinLnBrk="0" hangingPunct="1">
+              <a:defRPr sz="2400" kern="1200">
+                <a:solidFill>
+                  <a:schemeClr val="tx1"/>
+                </a:solidFill>
+                <a:latin typeface="+mn-lt"/>
+                <a:ea typeface="+mn-ea"/>
+                <a:cs typeface="+mn-cs"/>
+              </a:defRPr>
+            </a:lvl8pPr>
+            <a:lvl9pPr marL="4875947" algn="l" defTabSz="1218987" rtl="0" eaLnBrk="1" latinLnBrk="0" hangingPunct="1">
+              <a:defRPr sz="2400" kern="1200">
+                <a:solidFill>
+                  <a:schemeClr val="tx1"/>
+                </a:solidFill>
+                <a:latin typeface="+mn-lt"/>
+                <a:ea typeface="+mn-ea"/>
+                <a:cs typeface="+mn-cs"/>
+              </a:defRPr>
+            </a:lvl9pPr>
+          </a:lstStyle>
+          <a:p>
+            <a:r>
+              <a:rPr lang="bg-BG" dirty="0" smtClean="0"/>
+              <a:t>Тествайте</a:t>
+            </a:r>
+            <a:r>
+              <a:rPr lang="en-US" dirty="0" smtClean="0"/>
+              <a:t> </a:t>
+            </a:r>
+            <a:r>
+              <a:rPr lang="en-US" dirty="0"/>
+              <a:t>в Judge: </a:t>
+            </a:r>
+            <a:r>
+              <a:rPr lang="en-US" dirty="0"/>
+              <a:t>https://</a:t>
+            </a:r>
+            <a:r>
+              <a:rPr lang="en-US" dirty="0" smtClean="0">
+                <a:hlinkClick r:id="rId2"/>
+              </a:rPr>
+              <a:t>judge.softuni.bg/Contests/2655</a:t>
+            </a:r>
+            <a:endParaRPr lang="en-US" dirty="0"/>
           </a:p>
         </p:txBody>
       </p:sp>

--- a/Courses/Applied-Programmer/Programming-Fundamentals/03-Масиви-и-списъци/12.Работа-с-масиви-сортиране.pptx
+++ b/Courses/Applied-Programmer/Programming-Fundamentals/03-Масиви-и-списъци/12.Работа-с-масиви-сортиране.pptx
@@ -343,7 +343,7 @@
             <a:fld id="{FE5B4EDC-59C0-49C7-8ADA-5A781B329E02}" type="datetimeFigureOut">
               <a:rPr lang="en-US"/>
               <a:pPr/>
-              <a:t>13-Nov-20</a:t>
+              <a:t>19-Nov-20</a:t>
             </a:fld>
             <a:endParaRPr dirty="0"/>
           </a:p>
@@ -641,7 +641,7 @@
             <a:fld id="{F2D8D46A-B586-417D-BFBD-8C8FE0AAF762}" type="datetimeFigureOut">
               <a:rPr lang="en-US" smtClean="0"/>
               <a:pPr/>
-              <a:t>13-Nov-20</a:t>
+              <a:t>19-Nov-20</a:t>
             </a:fld>
             <a:endParaRPr lang="en-US" dirty="0"/>
           </a:p>
@@ -4602,10 +4602,10 @@
         </p:nvGrpSpPr>
         <p:grpSpPr>
           <a:xfrm>
-            <a:off x="760412" y="3583505"/>
-            <a:ext cx="5043827" cy="2524722"/>
-            <a:chOff x="745783" y="3624633"/>
-            <a:chExt cx="5043827" cy="2524722"/>
+            <a:off x="300776" y="3583505"/>
+            <a:ext cx="5503463" cy="2673002"/>
+            <a:chOff x="286147" y="3624633"/>
+            <a:chExt cx="5503463" cy="2673002"/>
           </a:xfrm>
         </p:grpSpPr>
         <p:pic>
@@ -4662,7 +4662,7 @@
           </p:blipFill>
           <p:spPr bwMode="auto">
             <a:xfrm>
-              <a:off x="745783" y="4076772"/>
+              <a:off x="286147" y="4129977"/>
               <a:ext cx="2175525" cy="761165"/>
             </a:xfrm>
             <a:prstGeom prst="roundRect">
@@ -4701,7 +4701,7 @@
           </p:nvSpPr>
           <p:spPr bwMode="auto">
             <a:xfrm>
-              <a:off x="760413" y="4998598"/>
+              <a:off x="286147" y="4995240"/>
               <a:ext cx="3187614" cy="444343"/>
             </a:xfrm>
             <a:prstGeom prst="rect">
@@ -4958,7 +4958,7 @@
           </p:nvSpPr>
           <p:spPr bwMode="auto">
             <a:xfrm>
-              <a:off x="760412" y="5403725"/>
+              <a:off x="286147" y="5439583"/>
               <a:ext cx="3187613" cy="382788"/>
             </a:xfrm>
             <a:prstGeom prst="rect">
@@ -5214,7 +5214,7 @@
           </p:nvSpPr>
           <p:spPr bwMode="auto">
             <a:xfrm>
-              <a:off x="760412" y="5690893"/>
+              <a:off x="286147" y="5839173"/>
               <a:ext cx="3810000" cy="458462"/>
             </a:xfrm>
             <a:prstGeom prst="rect">
@@ -5455,6 +5455,141 @@
           </p:txBody>
         </p:sp>
       </p:grpSp>
+      <p:sp>
+        <p:nvSpPr>
+          <p:cNvPr id="12" name="Text Placeholder 11">
+            <a:extLst>
+              <a:ext uri="{FF2B5EF4-FFF2-40B4-BE49-F238E27FC236}">
+                <a16:creationId xmlns:a16="http://schemas.microsoft.com/office/drawing/2014/main" id="{AA23BA81-0E3D-48C9-A806-C8B4423CF674}"/>
+              </a:ext>
+            </a:extLst>
+          </p:cNvPr>
+          <p:cNvSpPr txBox="1">
+            <a:spLocks/>
+          </p:cNvSpPr>
+          <p:nvPr/>
+        </p:nvSpPr>
+        <p:spPr bwMode="auto">
+          <a:xfrm>
+            <a:off x="282389" y="6275380"/>
+            <a:ext cx="11885613" cy="349702"/>
+          </a:xfrm>
+          <a:prstGeom prst="rect">
+            <a:avLst/>
+          </a:prstGeom>
+          <a:noFill/>
+          <a:effectLst/>
+        </p:spPr>
+        <p:txBody>
+          <a:bodyPr vert="horz" wrap="square" lIns="36000" tIns="36000" rIns="36000" bIns="36000" rtlCol="0" anchor="ctr" anchorCtr="0">
+            <a:spAutoFit/>
+          </a:bodyPr>
+          <a:lstStyle>
+            <a:defPPr>
+              <a:defRPr lang="en-US"/>
+            </a:defPPr>
+            <a:lvl1pPr marL="0" algn="l" defTabSz="1218987" rtl="0" eaLnBrk="1" latinLnBrk="0" hangingPunct="1">
+              <a:defRPr sz="2400" kern="1200">
+                <a:solidFill>
+                  <a:schemeClr val="tx1"/>
+                </a:solidFill>
+                <a:latin typeface="+mn-lt"/>
+                <a:ea typeface="+mn-ea"/>
+                <a:cs typeface="+mn-cs"/>
+              </a:defRPr>
+            </a:lvl1pPr>
+            <a:lvl2pPr marL="609493" algn="l" defTabSz="1218987" rtl="0" eaLnBrk="1" latinLnBrk="0" hangingPunct="1">
+              <a:defRPr sz="2400" kern="1200">
+                <a:solidFill>
+                  <a:schemeClr val="tx1"/>
+                </a:solidFill>
+                <a:latin typeface="+mn-lt"/>
+                <a:ea typeface="+mn-ea"/>
+                <a:cs typeface="+mn-cs"/>
+              </a:defRPr>
+            </a:lvl2pPr>
+            <a:lvl3pPr marL="1218987" algn="l" defTabSz="1218987" rtl="0" eaLnBrk="1" latinLnBrk="0" hangingPunct="1">
+              <a:defRPr sz="2400" kern="1200">
+                <a:solidFill>
+                  <a:schemeClr val="tx1"/>
+                </a:solidFill>
+                <a:latin typeface="+mn-lt"/>
+                <a:ea typeface="+mn-ea"/>
+                <a:cs typeface="+mn-cs"/>
+              </a:defRPr>
+            </a:lvl3pPr>
+            <a:lvl4pPr marL="1828480" algn="l" defTabSz="1218987" rtl="0" eaLnBrk="1" latinLnBrk="0" hangingPunct="1">
+              <a:defRPr sz="2400" kern="1200">
+                <a:solidFill>
+                  <a:schemeClr val="tx1"/>
+                </a:solidFill>
+                <a:latin typeface="+mn-lt"/>
+                <a:ea typeface="+mn-ea"/>
+                <a:cs typeface="+mn-cs"/>
+              </a:defRPr>
+            </a:lvl4pPr>
+            <a:lvl5pPr marL="2437973" algn="l" defTabSz="1218987" rtl="0" eaLnBrk="1" latinLnBrk="0" hangingPunct="1">
+              <a:defRPr sz="2400" kern="1200">
+                <a:solidFill>
+                  <a:schemeClr val="tx1"/>
+                </a:solidFill>
+                <a:latin typeface="+mn-lt"/>
+                <a:ea typeface="+mn-ea"/>
+                <a:cs typeface="+mn-cs"/>
+              </a:defRPr>
+            </a:lvl5pPr>
+            <a:lvl6pPr marL="3047467" algn="l" defTabSz="1218987" rtl="0" eaLnBrk="1" latinLnBrk="0" hangingPunct="1">
+              <a:defRPr sz="2400" kern="1200">
+                <a:solidFill>
+                  <a:schemeClr val="tx1"/>
+                </a:solidFill>
+                <a:latin typeface="+mn-lt"/>
+                <a:ea typeface="+mn-ea"/>
+                <a:cs typeface="+mn-cs"/>
+              </a:defRPr>
+            </a:lvl6pPr>
+            <a:lvl7pPr marL="3656960" algn="l" defTabSz="1218987" rtl="0" eaLnBrk="1" latinLnBrk="0" hangingPunct="1">
+              <a:defRPr sz="2400" kern="1200">
+                <a:solidFill>
+                  <a:schemeClr val="tx1"/>
+                </a:solidFill>
+                <a:latin typeface="+mn-lt"/>
+                <a:ea typeface="+mn-ea"/>
+                <a:cs typeface="+mn-cs"/>
+              </a:defRPr>
+            </a:lvl7pPr>
+            <a:lvl8pPr marL="4266453" algn="l" defTabSz="1218987" rtl="0" eaLnBrk="1" latinLnBrk="0" hangingPunct="1">
+              <a:defRPr sz="2400" kern="1200">
+                <a:solidFill>
+                  <a:schemeClr val="tx1"/>
+                </a:solidFill>
+                <a:latin typeface="+mn-lt"/>
+                <a:ea typeface="+mn-ea"/>
+                <a:cs typeface="+mn-cs"/>
+              </a:defRPr>
+            </a:lvl8pPr>
+            <a:lvl9pPr marL="4875947" algn="l" defTabSz="1218987" rtl="0" eaLnBrk="1" latinLnBrk="0" hangingPunct="1">
+              <a:defRPr sz="2400" kern="1200">
+                <a:solidFill>
+                  <a:schemeClr val="tx1"/>
+                </a:solidFill>
+                <a:latin typeface="+mn-lt"/>
+                <a:ea typeface="+mn-ea"/>
+                <a:cs typeface="+mn-cs"/>
+              </a:defRPr>
+            </a:lvl9pPr>
+          </a:lstStyle>
+          <a:p>
+            <a:r>
+              <a:rPr lang="en-US" sz="1800" b="1" dirty="0">
+                <a:hlinkClick r:id="rId8"/>
+              </a:rPr>
+              <a:t>https://github.com/BG-IT-Edu/School-Programming/tree/main/Courses/Applied-Programmer/Programming-Fundamentals</a:t>
+            </a:r>
+            <a:endParaRPr lang="en-GB" sz="1800" b="1" dirty="0"/>
+          </a:p>
+        </p:txBody>
+      </p:sp>
     </p:spTree>
     <p:extLst>
       <p:ext uri="{BB962C8B-B14F-4D97-AF65-F5344CB8AC3E}">
@@ -5874,23 +6009,15 @@
           </a:lstStyle>
           <a:p>
             <a:r>
-              <a:rPr lang="bg-BG" dirty="0" smtClean="0"/>
+              <a:rPr lang="bg-BG" dirty="0"/>
               <a:t>Тествайте</a:t>
             </a:r>
             <a:r>
-              <a:rPr lang="en-US" dirty="0" smtClean="0"/>
-              <a:t> </a:t>
-            </a:r>
-            <a:r>
               <a:rPr lang="en-US" dirty="0"/>
-              <a:t>в Judge: </a:t>
-            </a:r>
-            <a:r>
-              <a:rPr lang="en-US" dirty="0"/>
-              <a:t>https://</a:t>
-            </a:r>
-            <a:r>
-              <a:rPr lang="en-US" dirty="0" smtClean="0">
+              <a:t> в Judge: https://</a:t>
+            </a:r>
+            <a:r>
+              <a:rPr lang="en-US" dirty="0">
                 <a:hlinkClick r:id="rId2"/>
               </a:rPr>
               <a:t>judge.softuni.bg/Contests/2655</a:t>
@@ -6874,10 +7001,6 @@
             <a:r>
               <a:rPr lang="bg-BG" sz="3200" dirty="0"/>
               <a:t>Познати са различни методи за сортиране на масиви: </a:t>
-            </a:r>
-            <a:r>
-              <a:rPr lang="ru-RU" sz="3200" u="sng" dirty="0"/>
-              <a:t/>
             </a:r>
             <a:br>
               <a:rPr lang="ru-RU" sz="3200" u="sng" dirty="0"/>
@@ -7476,10 +7599,10 @@
           <a:lstStyle/>
           <a:p>
             <a:r>
-              <a:rPr lang="bg-BG" dirty="0">
+              <a:rPr lang="bg-BG">
                 <a:latin typeface="+mn-ea"/>
               </a:rPr>
-              <a:t>Сортиране на масиви</a:t>
+              <a:t>Масиви</a:t>
             </a:r>
             <a:endParaRPr lang="en-US" dirty="0"/>
           </a:p>
@@ -7487,37 +7610,136 @@
       </p:sp>
       <p:sp>
         <p:nvSpPr>
-          <p:cNvPr id="3" name="Text Placeholder 2"/>
-          <p:cNvSpPr>
-            <a:spLocks noGrp="1"/>
+          <p:cNvPr id="6" name="Text Placeholder 11">
+            <a:extLst>
+              <a:ext uri="{FF2B5EF4-FFF2-40B4-BE49-F238E27FC236}">
+                <a16:creationId xmlns:a16="http://schemas.microsoft.com/office/drawing/2014/main" id="{6FB6DFFC-A69C-46EC-84E0-0CA08383124F}"/>
+              </a:ext>
+            </a:extLst>
+          </p:cNvPr>
+          <p:cNvSpPr txBox="1">
+            <a:spLocks/>
           </p:cNvSpPr>
-          <p:nvPr>
-            <p:ph type="body" sz="quarter" idx="10"/>
-          </p:nvPr>
+          <p:nvPr/>
         </p:nvSpPr>
-        <p:spPr>
+        <p:spPr bwMode="auto">
           <a:xfrm>
-            <a:off x="1529384" y="6400802"/>
-            <a:ext cx="10482604" cy="351754"/>
+            <a:off x="303212" y="6400800"/>
+            <a:ext cx="11885613" cy="349702"/>
           </a:xfrm>
+          <a:prstGeom prst="rect">
+            <a:avLst/>
+          </a:prstGeom>
+          <a:noFill/>
+          <a:effectLst/>
         </p:spPr>
         <p:txBody>
-          <a:bodyPr/>
-          <a:lstStyle/>
-          <a:p>
-            <a:r>
-              <a:rPr lang="en-US" dirty="0">
+          <a:bodyPr vert="horz" wrap="square" lIns="36000" tIns="36000" rIns="36000" bIns="36000" rtlCol="0" anchor="ctr" anchorCtr="0">
+            <a:spAutoFit/>
+          </a:bodyPr>
+          <a:lstStyle>
+            <a:defPPr>
+              <a:defRPr lang="en-US"/>
+            </a:defPPr>
+            <a:lvl1pPr marL="0" algn="l" defTabSz="1218987" rtl="0" eaLnBrk="1" latinLnBrk="0" hangingPunct="1">
+              <a:defRPr sz="2400" kern="1200">
+                <a:solidFill>
+                  <a:schemeClr val="tx1"/>
+                </a:solidFill>
+                <a:latin typeface="+mn-lt"/>
+                <a:ea typeface="+mn-ea"/>
+                <a:cs typeface="+mn-cs"/>
+              </a:defRPr>
+            </a:lvl1pPr>
+            <a:lvl2pPr marL="609493" algn="l" defTabSz="1218987" rtl="0" eaLnBrk="1" latinLnBrk="0" hangingPunct="1">
+              <a:defRPr sz="2400" kern="1200">
+                <a:solidFill>
+                  <a:schemeClr val="tx1"/>
+                </a:solidFill>
+                <a:latin typeface="+mn-lt"/>
+                <a:ea typeface="+mn-ea"/>
+                <a:cs typeface="+mn-cs"/>
+              </a:defRPr>
+            </a:lvl2pPr>
+            <a:lvl3pPr marL="1218987" algn="l" defTabSz="1218987" rtl="0" eaLnBrk="1" latinLnBrk="0" hangingPunct="1">
+              <a:defRPr sz="2400" kern="1200">
+                <a:solidFill>
+                  <a:schemeClr val="tx1"/>
+                </a:solidFill>
+                <a:latin typeface="+mn-lt"/>
+                <a:ea typeface="+mn-ea"/>
+                <a:cs typeface="+mn-cs"/>
+              </a:defRPr>
+            </a:lvl3pPr>
+            <a:lvl4pPr marL="1828480" algn="l" defTabSz="1218987" rtl="0" eaLnBrk="1" latinLnBrk="0" hangingPunct="1">
+              <a:defRPr sz="2400" kern="1200">
+                <a:solidFill>
+                  <a:schemeClr val="tx1"/>
+                </a:solidFill>
+                <a:latin typeface="+mn-lt"/>
+                <a:ea typeface="+mn-ea"/>
+                <a:cs typeface="+mn-cs"/>
+              </a:defRPr>
+            </a:lvl4pPr>
+            <a:lvl5pPr marL="2437973" algn="l" defTabSz="1218987" rtl="0" eaLnBrk="1" latinLnBrk="0" hangingPunct="1">
+              <a:defRPr sz="2400" kern="1200">
+                <a:solidFill>
+                  <a:schemeClr val="tx1"/>
+                </a:solidFill>
+                <a:latin typeface="+mn-lt"/>
+                <a:ea typeface="+mn-ea"/>
+                <a:cs typeface="+mn-cs"/>
+              </a:defRPr>
+            </a:lvl5pPr>
+            <a:lvl6pPr marL="3047467" algn="l" defTabSz="1218987" rtl="0" eaLnBrk="1" latinLnBrk="0" hangingPunct="1">
+              <a:defRPr sz="2400" kern="1200">
+                <a:solidFill>
+                  <a:schemeClr val="tx1"/>
+                </a:solidFill>
+                <a:latin typeface="+mn-lt"/>
+                <a:ea typeface="+mn-ea"/>
+                <a:cs typeface="+mn-cs"/>
+              </a:defRPr>
+            </a:lvl6pPr>
+            <a:lvl7pPr marL="3656960" algn="l" defTabSz="1218987" rtl="0" eaLnBrk="1" latinLnBrk="0" hangingPunct="1">
+              <a:defRPr sz="2400" kern="1200">
+                <a:solidFill>
+                  <a:schemeClr val="tx1"/>
+                </a:solidFill>
+                <a:latin typeface="+mn-lt"/>
+                <a:ea typeface="+mn-ea"/>
+                <a:cs typeface="+mn-cs"/>
+              </a:defRPr>
+            </a:lvl7pPr>
+            <a:lvl8pPr marL="4266453" algn="l" defTabSz="1218987" rtl="0" eaLnBrk="1" latinLnBrk="0" hangingPunct="1">
+              <a:defRPr sz="2400" kern="1200">
+                <a:solidFill>
+                  <a:schemeClr val="tx1"/>
+                </a:solidFill>
+                <a:latin typeface="+mn-lt"/>
+                <a:ea typeface="+mn-ea"/>
+                <a:cs typeface="+mn-cs"/>
+              </a:defRPr>
+            </a:lvl8pPr>
+            <a:lvl9pPr marL="4875947" algn="l" defTabSz="1218987" rtl="0" eaLnBrk="1" latinLnBrk="0" hangingPunct="1">
+              <a:defRPr sz="2400" kern="1200">
+                <a:solidFill>
+                  <a:schemeClr val="tx1"/>
+                </a:solidFill>
+                <a:latin typeface="+mn-lt"/>
+                <a:ea typeface="+mn-ea"/>
+                <a:cs typeface="+mn-cs"/>
+              </a:defRPr>
+            </a:lvl9pPr>
+          </a:lstStyle>
+          <a:p>
+            <a:r>
+              <a:rPr lang="en-US" sz="1800" b="1" dirty="0">
                 <a:hlinkClick r:id="rId3"/>
               </a:rPr>
-              <a:t>https://it-kariera.mon.bg/</a:t>
-            </a:r>
-            <a:r>
-              <a:rPr lang="en-US">
-                <a:hlinkClick r:id="rId3"/>
-              </a:rPr>
-              <a:t>e-learning/</a:t>
-            </a:r>
-            <a:endParaRPr lang="en-US" dirty="0"/>
+              <a:t>https://github.com/BG-IT-Edu/School-Programming/tree/main/Courses/Applied-Programmer/Programming-Fundamentals</a:t>
+            </a:r>
+            <a:endParaRPr lang="en-GB" sz="1800" b="1" dirty="0"/>
           </a:p>
         </p:txBody>
       </p:sp>
@@ -18570,23 +18792,15 @@
           </a:lstStyle>
           <a:p>
             <a:r>
-              <a:rPr lang="bg-BG" dirty="0" smtClean="0"/>
+              <a:rPr lang="bg-BG" dirty="0"/>
               <a:t>Тествайте</a:t>
             </a:r>
             <a:r>
-              <a:rPr lang="en-US" dirty="0" smtClean="0"/>
-              <a:t> </a:t>
-            </a:r>
-            <a:r>
               <a:rPr lang="en-US" dirty="0"/>
-              <a:t>в Judge: </a:t>
-            </a:r>
-            <a:r>
-              <a:rPr lang="en-US" dirty="0"/>
-              <a:t>https://</a:t>
-            </a:r>
-            <a:r>
-              <a:rPr lang="en-US" dirty="0" smtClean="0">
+              <a:t> в Judge: https://</a:t>
+            </a:r>
+            <a:r>
+              <a:rPr lang="en-US" dirty="0">
                 <a:hlinkClick r:id="rId2"/>
               </a:rPr>
               <a:t>judge.softuni.bg/Contests/2655</a:t>

--- a/Courses/Applied-Programmer/Programming-Fundamentals/03-Масиви-и-списъци/12.Работа-с-масиви-сортиране.pptx
+++ b/Courses/Applied-Programmer/Programming-Fundamentals/03-Масиви-и-списъци/12.Работа-с-масиви-сортиране.pptx
@@ -343,7 +343,7 @@
             <a:fld id="{FE5B4EDC-59C0-49C7-8ADA-5A781B329E02}" type="datetimeFigureOut">
               <a:rPr lang="en-US"/>
               <a:pPr/>
-              <a:t>19-Nov-20</a:t>
+              <a:t>21-Nov-20</a:t>
             </a:fld>
             <a:endParaRPr dirty="0"/>
           </a:p>
@@ -641,7 +641,7 @@
             <a:fld id="{F2D8D46A-B586-417D-BFBD-8C8FE0AAF762}" type="datetimeFigureOut">
               <a:rPr lang="en-US" smtClean="0"/>
               <a:pPr/>
-              <a:t>19-Nov-20</a:t>
+              <a:t>21-Nov-20</a:t>
             </a:fld>
             <a:endParaRPr lang="en-US" dirty="0"/>
           </a:p>
@@ -5622,6 +5622,75 @@
       </p:grpSpPr>
       <p:sp>
         <p:nvSpPr>
+          <p:cNvPr id="8" name="Rectangle 4">
+            <a:extLst>
+              <a:ext uri="{FF2B5EF4-FFF2-40B4-BE49-F238E27FC236}">
+                <a16:creationId xmlns:a16="http://schemas.microsoft.com/office/drawing/2014/main" id="{BD1571A7-7275-483D-A984-23E31E67A8BB}"/>
+              </a:ext>
+            </a:extLst>
+          </p:cNvPr>
+          <p:cNvSpPr>
+            <a:spLocks noChangeArrowheads="1"/>
+          </p:cNvSpPr>
+          <p:nvPr/>
+        </p:nvSpPr>
+        <p:spPr bwMode="auto">
+          <a:xfrm>
+            <a:off x="531812" y="2634553"/>
+            <a:ext cx="11341389" cy="4151712"/>
+          </a:xfrm>
+          <a:prstGeom prst="rect">
+            <a:avLst/>
+          </a:prstGeom>
+          <a:solidFill>
+            <a:schemeClr val="accent5">
+              <a:lumMod val="40000"/>
+              <a:lumOff val="60000"/>
+              <a:alpha val="20000"/>
+            </a:schemeClr>
+          </a:solidFill>
+          <a:ln w="12700">
+            <a:solidFill>
+              <a:schemeClr val="accent5">
+                <a:lumMod val="60000"/>
+                <a:lumOff val="40000"/>
+              </a:schemeClr>
+            </a:solidFill>
+          </a:ln>
+        </p:spPr>
+        <p:txBody>
+          <a:bodyPr vert="horz" wrap="square" lIns="144000" tIns="108000" rIns="144000" bIns="108000" rtlCol="0">
+            <a:spAutoFit/>
+          </a:bodyPr>
+          <a:lstStyle/>
+          <a:p>
+            <a:pPr>
+              <a:buClr>
+                <a:srgbClr val="F2B254"/>
+              </a:buClr>
+              <a:buSzPct val="100000"/>
+              <a:buFont typeface="Wingdings" panose="05000000000000000000" pitchFamily="2" charset="2"/>
+              <a:buNone/>
+            </a:pPr>
+            <a:endParaRPr lang="en-US" b="1" noProof="1">
+              <a:solidFill>
+                <a:srgbClr val="FBEEDC"/>
+              </a:solidFill>
+              <a:effectLst>
+                <a:outerShdw blurRad="38100" dist="38100" dir="2700000" algn="tl">
+                  <a:srgbClr val="000000">
+                    <a:alpha val="43137"/>
+                  </a:srgbClr>
+                </a:outerShdw>
+              </a:effectLst>
+              <a:latin typeface="Consolas" pitchFamily="49" charset="0"/>
+              <a:cs typeface="Consolas" pitchFamily="49" charset="0"/>
+            </a:endParaRPr>
+          </a:p>
+        </p:txBody>
+      </p:sp>
+      <p:sp>
+        <p:nvSpPr>
           <p:cNvPr id="3" name="Content Placeholder 2"/>
           <p:cNvSpPr>
             <a:spLocks noGrp="1"/>
@@ -6036,6 +6105,543 @@
   <p:clrMapOvr>
     <a:masterClrMapping/>
   </p:clrMapOvr>
+  <p:timing>
+    <p:tnLst>
+      <p:par>
+        <p:cTn id="1" dur="indefinite" restart="never" nodeType="tmRoot">
+          <p:childTnLst>
+            <p:seq concurrent="1" nextAc="seek">
+              <p:cTn id="2" dur="indefinite" nodeType="mainSeq">
+                <p:childTnLst>
+                  <p:par>
+                    <p:cTn id="3" fill="hold">
+                      <p:stCondLst>
+                        <p:cond delay="indefinite"/>
+                      </p:stCondLst>
+                      <p:childTnLst>
+                        <p:par>
+                          <p:cTn id="4" fill="hold">
+                            <p:stCondLst>
+                              <p:cond delay="0"/>
+                            </p:stCondLst>
+                            <p:childTnLst>
+                              <p:par>
+                                <p:cTn id="5" presetID="1" presetClass="entr" presetSubtype="0" fill="hold" nodeType="clickEffect">
+                                  <p:stCondLst>
+                                    <p:cond delay="0"/>
+                                  </p:stCondLst>
+                                  <p:childTnLst>
+                                    <p:set>
+                                      <p:cBhvr>
+                                        <p:cTn id="6" dur="1" fill="hold">
+                                          <p:stCondLst>
+                                            <p:cond delay="0"/>
+                                          </p:stCondLst>
+                                        </p:cTn>
+                                        <p:tgtEl>
+                                          <p:spTgt spid="3">
+                                            <p:txEl>
+                                              <p:pRg st="1" end="1"/>
+                                            </p:txEl>
+                                          </p:spTgt>
+                                        </p:tgtEl>
+                                        <p:attrNameLst>
+                                          <p:attrName>style.visibility</p:attrName>
+                                        </p:attrNameLst>
+                                      </p:cBhvr>
+                                      <p:to>
+                                        <p:strVal val="visible"/>
+                                      </p:to>
+                                    </p:set>
+                                  </p:childTnLst>
+                                </p:cTn>
+                              </p:par>
+                            </p:childTnLst>
+                          </p:cTn>
+                        </p:par>
+                      </p:childTnLst>
+                    </p:cTn>
+                  </p:par>
+                  <p:par>
+                    <p:cTn id="7" fill="hold">
+                      <p:stCondLst>
+                        <p:cond delay="indefinite"/>
+                      </p:stCondLst>
+                      <p:childTnLst>
+                        <p:par>
+                          <p:cTn id="8" fill="hold">
+                            <p:stCondLst>
+                              <p:cond delay="0"/>
+                            </p:stCondLst>
+                            <p:childTnLst>
+                              <p:par>
+                                <p:cTn id="9" presetID="1" presetClass="entr" presetSubtype="0" fill="hold" nodeType="clickEffect">
+                                  <p:stCondLst>
+                                    <p:cond delay="0"/>
+                                  </p:stCondLst>
+                                  <p:childTnLst>
+                                    <p:set>
+                                      <p:cBhvr>
+                                        <p:cTn id="10" dur="1" fill="hold">
+                                          <p:stCondLst>
+                                            <p:cond delay="0"/>
+                                          </p:stCondLst>
+                                        </p:cTn>
+                                        <p:tgtEl>
+                                          <p:spTgt spid="3">
+                                            <p:txEl>
+                                              <p:pRg st="2" end="2"/>
+                                            </p:txEl>
+                                          </p:spTgt>
+                                        </p:tgtEl>
+                                        <p:attrNameLst>
+                                          <p:attrName>style.visibility</p:attrName>
+                                        </p:attrNameLst>
+                                      </p:cBhvr>
+                                      <p:to>
+                                        <p:strVal val="visible"/>
+                                      </p:to>
+                                    </p:set>
+                                  </p:childTnLst>
+                                </p:cTn>
+                              </p:par>
+                            </p:childTnLst>
+                          </p:cTn>
+                        </p:par>
+                      </p:childTnLst>
+                    </p:cTn>
+                  </p:par>
+                  <p:par>
+                    <p:cTn id="11" fill="hold">
+                      <p:stCondLst>
+                        <p:cond delay="indefinite"/>
+                      </p:stCondLst>
+                      <p:childTnLst>
+                        <p:par>
+                          <p:cTn id="12" fill="hold">
+                            <p:stCondLst>
+                              <p:cond delay="0"/>
+                            </p:stCondLst>
+                            <p:childTnLst>
+                              <p:par>
+                                <p:cTn id="13" presetID="1" presetClass="entr" presetSubtype="0" fill="hold" grpId="0" nodeType="clickEffect">
+                                  <p:stCondLst>
+                                    <p:cond delay="0"/>
+                                  </p:stCondLst>
+                                  <p:childTnLst>
+                                    <p:set>
+                                      <p:cBhvr>
+                                        <p:cTn id="14" dur="1" fill="hold">
+                                          <p:stCondLst>
+                                            <p:cond delay="0"/>
+                                          </p:stCondLst>
+                                        </p:cTn>
+                                        <p:tgtEl>
+                                          <p:spTgt spid="8"/>
+                                        </p:tgtEl>
+                                        <p:attrNameLst>
+                                          <p:attrName>style.visibility</p:attrName>
+                                        </p:attrNameLst>
+                                      </p:cBhvr>
+                                      <p:to>
+                                        <p:strVal val="visible"/>
+                                      </p:to>
+                                    </p:set>
+                                  </p:childTnLst>
+                                </p:cTn>
+                              </p:par>
+                              <p:par>
+                                <p:cTn id="15" presetID="1" presetClass="entr" presetSubtype="0" fill="hold" nodeType="withEffect">
+                                  <p:stCondLst>
+                                    <p:cond delay="0"/>
+                                  </p:stCondLst>
+                                  <p:childTnLst>
+                                    <p:set>
+                                      <p:cBhvr>
+                                        <p:cTn id="16" dur="1" fill="hold">
+                                          <p:stCondLst>
+                                            <p:cond delay="0"/>
+                                          </p:stCondLst>
+                                        </p:cTn>
+                                        <p:tgtEl>
+                                          <p:spTgt spid="10">
+                                            <p:txEl>
+                                              <p:pRg st="0" end="0"/>
+                                            </p:txEl>
+                                          </p:spTgt>
+                                        </p:tgtEl>
+                                        <p:attrNameLst>
+                                          <p:attrName>style.visibility</p:attrName>
+                                        </p:attrNameLst>
+                                      </p:cBhvr>
+                                      <p:to>
+                                        <p:strVal val="visible"/>
+                                      </p:to>
+                                    </p:set>
+                                  </p:childTnLst>
+                                </p:cTn>
+                              </p:par>
+                              <p:par>
+                                <p:cTn id="17" presetID="1" presetClass="entr" presetSubtype="0" fill="hold" nodeType="withEffect">
+                                  <p:stCondLst>
+                                    <p:cond delay="0"/>
+                                  </p:stCondLst>
+                                  <p:childTnLst>
+                                    <p:set>
+                                      <p:cBhvr>
+                                        <p:cTn id="18" dur="1" fill="hold">
+                                          <p:stCondLst>
+                                            <p:cond delay="0"/>
+                                          </p:stCondLst>
+                                        </p:cTn>
+                                        <p:tgtEl>
+                                          <p:spTgt spid="10">
+                                            <p:txEl>
+                                              <p:pRg st="1" end="1"/>
+                                            </p:txEl>
+                                          </p:spTgt>
+                                        </p:tgtEl>
+                                        <p:attrNameLst>
+                                          <p:attrName>style.visibility</p:attrName>
+                                        </p:attrNameLst>
+                                      </p:cBhvr>
+                                      <p:to>
+                                        <p:strVal val="visible"/>
+                                      </p:to>
+                                    </p:set>
+                                  </p:childTnLst>
+                                </p:cTn>
+                              </p:par>
+                              <p:par>
+                                <p:cTn id="19" presetID="1" presetClass="entr" presetSubtype="0" fill="hold" nodeType="withEffect">
+                                  <p:stCondLst>
+                                    <p:cond delay="0"/>
+                                  </p:stCondLst>
+                                  <p:childTnLst>
+                                    <p:set>
+                                      <p:cBhvr>
+                                        <p:cTn id="20" dur="1" fill="hold">
+                                          <p:stCondLst>
+                                            <p:cond delay="0"/>
+                                          </p:stCondLst>
+                                        </p:cTn>
+                                        <p:tgtEl>
+                                          <p:spTgt spid="10">
+                                            <p:txEl>
+                                              <p:pRg st="8" end="8"/>
+                                            </p:txEl>
+                                          </p:spTgt>
+                                        </p:tgtEl>
+                                        <p:attrNameLst>
+                                          <p:attrName>style.visibility</p:attrName>
+                                        </p:attrNameLst>
+                                      </p:cBhvr>
+                                      <p:to>
+                                        <p:strVal val="visible"/>
+                                      </p:to>
+                                    </p:set>
+                                  </p:childTnLst>
+                                </p:cTn>
+                              </p:par>
+                              <p:par>
+                                <p:cTn id="21" presetID="1" presetClass="entr" presetSubtype="0" fill="hold" nodeType="withEffect">
+                                  <p:stCondLst>
+                                    <p:cond delay="0"/>
+                                  </p:stCondLst>
+                                  <p:childTnLst>
+                                    <p:set>
+                                      <p:cBhvr>
+                                        <p:cTn id="22" dur="1" fill="hold">
+                                          <p:stCondLst>
+                                            <p:cond delay="0"/>
+                                          </p:stCondLst>
+                                        </p:cTn>
+                                        <p:tgtEl>
+                                          <p:spTgt spid="10">
+                                            <p:txEl>
+                                              <p:pRg st="2" end="2"/>
+                                            </p:txEl>
+                                          </p:spTgt>
+                                        </p:tgtEl>
+                                        <p:attrNameLst>
+                                          <p:attrName>style.visibility</p:attrName>
+                                        </p:attrNameLst>
+                                      </p:cBhvr>
+                                      <p:to>
+                                        <p:strVal val="visible"/>
+                                      </p:to>
+                                    </p:set>
+                                  </p:childTnLst>
+                                </p:cTn>
+                              </p:par>
+                              <p:par>
+                                <p:cTn id="23" presetID="1" presetClass="entr" presetSubtype="0" fill="hold" nodeType="withEffect">
+                                  <p:stCondLst>
+                                    <p:cond delay="0"/>
+                                  </p:stCondLst>
+                                  <p:childTnLst>
+                                    <p:set>
+                                      <p:cBhvr>
+                                        <p:cTn id="24" dur="1" fill="hold">
+                                          <p:stCondLst>
+                                            <p:cond delay="0"/>
+                                          </p:stCondLst>
+                                        </p:cTn>
+                                        <p:tgtEl>
+                                          <p:spTgt spid="10">
+                                            <p:txEl>
+                                              <p:pRg st="7" end="7"/>
+                                            </p:txEl>
+                                          </p:spTgt>
+                                        </p:tgtEl>
+                                        <p:attrNameLst>
+                                          <p:attrName>style.visibility</p:attrName>
+                                        </p:attrNameLst>
+                                      </p:cBhvr>
+                                      <p:to>
+                                        <p:strVal val="visible"/>
+                                      </p:to>
+                                    </p:set>
+                                  </p:childTnLst>
+                                </p:cTn>
+                              </p:par>
+                            </p:childTnLst>
+                          </p:cTn>
+                        </p:par>
+                      </p:childTnLst>
+                    </p:cTn>
+                  </p:par>
+                  <p:par>
+                    <p:cTn id="25" fill="hold">
+                      <p:stCondLst>
+                        <p:cond delay="indefinite"/>
+                      </p:stCondLst>
+                      <p:childTnLst>
+                        <p:par>
+                          <p:cTn id="26" fill="hold">
+                            <p:stCondLst>
+                              <p:cond delay="0"/>
+                            </p:stCondLst>
+                            <p:childTnLst>
+                              <p:par>
+                                <p:cTn id="27" presetID="1" presetClass="entr" presetSubtype="0" fill="hold" nodeType="clickEffect">
+                                  <p:stCondLst>
+                                    <p:cond delay="0"/>
+                                  </p:stCondLst>
+                                  <p:childTnLst>
+                                    <p:set>
+                                      <p:cBhvr>
+                                        <p:cTn id="28" dur="1" fill="hold">
+                                          <p:stCondLst>
+                                            <p:cond delay="0"/>
+                                          </p:stCondLst>
+                                        </p:cTn>
+                                        <p:tgtEl>
+                                          <p:spTgt spid="10">
+                                            <p:txEl>
+                                              <p:pRg st="3" end="3"/>
+                                            </p:txEl>
+                                          </p:spTgt>
+                                        </p:tgtEl>
+                                        <p:attrNameLst>
+                                          <p:attrName>style.visibility</p:attrName>
+                                        </p:attrNameLst>
+                                      </p:cBhvr>
+                                      <p:to>
+                                        <p:strVal val="visible"/>
+                                      </p:to>
+                                    </p:set>
+                                  </p:childTnLst>
+                                </p:cTn>
+                              </p:par>
+                              <p:par>
+                                <p:cTn id="29" presetID="1" presetClass="entr" presetSubtype="0" fill="hold" nodeType="withEffect">
+                                  <p:stCondLst>
+                                    <p:cond delay="0"/>
+                                  </p:stCondLst>
+                                  <p:childTnLst>
+                                    <p:set>
+                                      <p:cBhvr>
+                                        <p:cTn id="30" dur="1" fill="hold">
+                                          <p:stCondLst>
+                                            <p:cond delay="0"/>
+                                          </p:stCondLst>
+                                        </p:cTn>
+                                        <p:tgtEl>
+                                          <p:spTgt spid="10">
+                                            <p:txEl>
+                                              <p:pRg st="4" end="4"/>
+                                            </p:txEl>
+                                          </p:spTgt>
+                                        </p:tgtEl>
+                                        <p:attrNameLst>
+                                          <p:attrName>style.visibility</p:attrName>
+                                        </p:attrNameLst>
+                                      </p:cBhvr>
+                                      <p:to>
+                                        <p:strVal val="visible"/>
+                                      </p:to>
+                                    </p:set>
+                                  </p:childTnLst>
+                                </p:cTn>
+                              </p:par>
+                              <p:par>
+                                <p:cTn id="31" presetID="1" presetClass="entr" presetSubtype="0" fill="hold" nodeType="withEffect">
+                                  <p:stCondLst>
+                                    <p:cond delay="0"/>
+                                  </p:stCondLst>
+                                  <p:childTnLst>
+                                    <p:set>
+                                      <p:cBhvr>
+                                        <p:cTn id="32" dur="1" fill="hold">
+                                          <p:stCondLst>
+                                            <p:cond delay="0"/>
+                                          </p:stCondLst>
+                                        </p:cTn>
+                                        <p:tgtEl>
+                                          <p:spTgt spid="10">
+                                            <p:txEl>
+                                              <p:pRg st="6" end="6"/>
+                                            </p:txEl>
+                                          </p:spTgt>
+                                        </p:tgtEl>
+                                        <p:attrNameLst>
+                                          <p:attrName>style.visibility</p:attrName>
+                                        </p:attrNameLst>
+                                      </p:cBhvr>
+                                      <p:to>
+                                        <p:strVal val="visible"/>
+                                      </p:to>
+                                    </p:set>
+                                  </p:childTnLst>
+                                </p:cTn>
+                              </p:par>
+                            </p:childTnLst>
+                          </p:cTn>
+                        </p:par>
+                      </p:childTnLst>
+                    </p:cTn>
+                  </p:par>
+                  <p:par>
+                    <p:cTn id="33" fill="hold">
+                      <p:stCondLst>
+                        <p:cond delay="indefinite"/>
+                      </p:stCondLst>
+                      <p:childTnLst>
+                        <p:par>
+                          <p:cTn id="34" fill="hold">
+                            <p:stCondLst>
+                              <p:cond delay="0"/>
+                            </p:stCondLst>
+                            <p:childTnLst>
+                              <p:par>
+                                <p:cTn id="35" presetID="1" presetClass="entr" presetSubtype="0" fill="hold" nodeType="clickEffect">
+                                  <p:stCondLst>
+                                    <p:cond delay="0"/>
+                                  </p:stCondLst>
+                                  <p:childTnLst>
+                                    <p:set>
+                                      <p:cBhvr>
+                                        <p:cTn id="36" dur="1" fill="hold">
+                                          <p:stCondLst>
+                                            <p:cond delay="0"/>
+                                          </p:stCondLst>
+                                        </p:cTn>
+                                        <p:tgtEl>
+                                          <p:spTgt spid="10">
+                                            <p:txEl>
+                                              <p:pRg st="5" end="5"/>
+                                            </p:txEl>
+                                          </p:spTgt>
+                                        </p:tgtEl>
+                                        <p:attrNameLst>
+                                          <p:attrName>style.visibility</p:attrName>
+                                        </p:attrNameLst>
+                                      </p:cBhvr>
+                                      <p:to>
+                                        <p:strVal val="visible"/>
+                                      </p:to>
+                                    </p:set>
+                                  </p:childTnLst>
+                                </p:cTn>
+                              </p:par>
+                            </p:childTnLst>
+                          </p:cTn>
+                        </p:par>
+                      </p:childTnLst>
+                    </p:cTn>
+                  </p:par>
+                  <p:par>
+                    <p:cTn id="37" fill="hold">
+                      <p:stCondLst>
+                        <p:cond delay="indefinite"/>
+                      </p:stCondLst>
+                      <p:childTnLst>
+                        <p:par>
+                          <p:cTn id="38" fill="hold">
+                            <p:stCondLst>
+                              <p:cond delay="0"/>
+                            </p:stCondLst>
+                            <p:childTnLst>
+                              <p:par>
+                                <p:cTn id="39" presetID="1" presetClass="entr" presetSubtype="0" fill="hold" grpId="0" nodeType="clickEffect">
+                                  <p:stCondLst>
+                                    <p:cond delay="0"/>
+                                  </p:stCondLst>
+                                  <p:childTnLst>
+                                    <p:set>
+                                      <p:cBhvr>
+                                        <p:cTn id="40" dur="1" fill="hold">
+                                          <p:stCondLst>
+                                            <p:cond delay="0"/>
+                                          </p:stCondLst>
+                                        </p:cTn>
+                                        <p:tgtEl>
+                                          <p:spTgt spid="7"/>
+                                        </p:tgtEl>
+                                        <p:attrNameLst>
+                                          <p:attrName>style.visibility</p:attrName>
+                                        </p:attrNameLst>
+                                      </p:cBhvr>
+                                      <p:to>
+                                        <p:strVal val="visible"/>
+                                      </p:to>
+                                    </p:set>
+                                  </p:childTnLst>
+                                </p:cTn>
+                              </p:par>
+                            </p:childTnLst>
+                          </p:cTn>
+                        </p:par>
+                      </p:childTnLst>
+                    </p:cTn>
+                  </p:par>
+                </p:childTnLst>
+              </p:cTn>
+              <p:prevCondLst>
+                <p:cond evt="onPrev" delay="0">
+                  <p:tgtEl>
+                    <p:sldTgt/>
+                  </p:tgtEl>
+                </p:cond>
+              </p:prevCondLst>
+              <p:nextCondLst>
+                <p:cond evt="onNext" delay="0">
+                  <p:tgtEl>
+                    <p:sldTgt/>
+                  </p:tgtEl>
+                </p:cond>
+              </p:nextCondLst>
+            </p:seq>
+          </p:childTnLst>
+        </p:cTn>
+      </p:par>
+    </p:tnLst>
+    <p:bldLst>
+      <p:bldP spid="8" grpId="0" animBg="1"/>
+      <p:bldP spid="7" grpId="0"/>
+    </p:bldLst>
+  </p:timing>
 </p:sld>
 </file>
 
@@ -8456,6 +9062,183 @@
   <p:clrMapOvr>
     <a:masterClrMapping/>
   </p:clrMapOvr>
+  <p:timing>
+    <p:tnLst>
+      <p:par>
+        <p:cTn id="1" dur="indefinite" restart="never" nodeType="tmRoot">
+          <p:childTnLst>
+            <p:seq concurrent="1" nextAc="seek">
+              <p:cTn id="2" dur="indefinite" nodeType="mainSeq">
+                <p:childTnLst>
+                  <p:par>
+                    <p:cTn id="3" fill="hold">
+                      <p:stCondLst>
+                        <p:cond delay="indefinite"/>
+                      </p:stCondLst>
+                      <p:childTnLst>
+                        <p:par>
+                          <p:cTn id="4" fill="hold">
+                            <p:stCondLst>
+                              <p:cond delay="0"/>
+                            </p:stCondLst>
+                            <p:childTnLst>
+                              <p:par>
+                                <p:cTn id="5" presetID="1" presetClass="entr" presetSubtype="0" fill="hold" nodeType="clickEffect">
+                                  <p:stCondLst>
+                                    <p:cond delay="0"/>
+                                  </p:stCondLst>
+                                  <p:childTnLst>
+                                    <p:set>
+                                      <p:cBhvr>
+                                        <p:cTn id="6" dur="1" fill="hold">
+                                          <p:stCondLst>
+                                            <p:cond delay="0"/>
+                                          </p:stCondLst>
+                                        </p:cTn>
+                                        <p:tgtEl>
+                                          <p:spTgt spid="7">
+                                            <p:txEl>
+                                              <p:pRg st="1" end="1"/>
+                                            </p:txEl>
+                                          </p:spTgt>
+                                        </p:tgtEl>
+                                        <p:attrNameLst>
+                                          <p:attrName>style.visibility</p:attrName>
+                                        </p:attrNameLst>
+                                      </p:cBhvr>
+                                      <p:to>
+                                        <p:strVal val="visible"/>
+                                      </p:to>
+                                    </p:set>
+                                  </p:childTnLst>
+                                </p:cTn>
+                              </p:par>
+                            </p:childTnLst>
+                          </p:cTn>
+                        </p:par>
+                      </p:childTnLst>
+                    </p:cTn>
+                  </p:par>
+                  <p:par>
+                    <p:cTn id="7" fill="hold">
+                      <p:stCondLst>
+                        <p:cond delay="indefinite"/>
+                      </p:stCondLst>
+                      <p:childTnLst>
+                        <p:par>
+                          <p:cTn id="8" fill="hold">
+                            <p:stCondLst>
+                              <p:cond delay="0"/>
+                            </p:stCondLst>
+                            <p:childTnLst>
+                              <p:par>
+                                <p:cTn id="9" presetID="1" presetClass="entr" presetSubtype="0" fill="hold" nodeType="clickEffect">
+                                  <p:stCondLst>
+                                    <p:cond delay="0"/>
+                                  </p:stCondLst>
+                                  <p:childTnLst>
+                                    <p:set>
+                                      <p:cBhvr>
+                                        <p:cTn id="10" dur="1" fill="hold">
+                                          <p:stCondLst>
+                                            <p:cond delay="0"/>
+                                          </p:stCondLst>
+                                        </p:cTn>
+                                        <p:tgtEl>
+                                          <p:spTgt spid="7">
+                                            <p:txEl>
+                                              <p:pRg st="2" end="2"/>
+                                            </p:txEl>
+                                          </p:spTgt>
+                                        </p:tgtEl>
+                                        <p:attrNameLst>
+                                          <p:attrName>style.visibility</p:attrName>
+                                        </p:attrNameLst>
+                                      </p:cBhvr>
+                                      <p:to>
+                                        <p:strVal val="visible"/>
+                                      </p:to>
+                                    </p:set>
+                                  </p:childTnLst>
+                                </p:cTn>
+                              </p:par>
+                            </p:childTnLst>
+                          </p:cTn>
+                        </p:par>
+                      </p:childTnLst>
+                    </p:cTn>
+                  </p:par>
+                  <p:par>
+                    <p:cTn id="11" fill="hold">
+                      <p:stCondLst>
+                        <p:cond delay="indefinite"/>
+                      </p:stCondLst>
+                      <p:childTnLst>
+                        <p:par>
+                          <p:cTn id="12" fill="hold">
+                            <p:stCondLst>
+                              <p:cond delay="0"/>
+                            </p:stCondLst>
+                            <p:childTnLst>
+                              <p:par>
+                                <p:cTn id="13" presetID="1" presetClass="entr" presetSubtype="0" fill="hold" nodeType="clickEffect">
+                                  <p:stCondLst>
+                                    <p:cond delay="0"/>
+                                  </p:stCondLst>
+                                  <p:childTnLst>
+                                    <p:set>
+                                      <p:cBhvr>
+                                        <p:cTn id="14" dur="1" fill="hold">
+                                          <p:stCondLst>
+                                            <p:cond delay="0"/>
+                                          </p:stCondLst>
+                                        </p:cTn>
+                                        <p:tgtEl>
+                                          <p:spTgt spid="7">
+                                            <p:txEl>
+                                              <p:pRg st="3" end="3"/>
+                                            </p:txEl>
+                                          </p:spTgt>
+                                        </p:tgtEl>
+                                        <p:attrNameLst>
+                                          <p:attrName>style.visibility</p:attrName>
+                                        </p:attrNameLst>
+                                      </p:cBhvr>
+                                      <p:to>
+                                        <p:strVal val="visible"/>
+                                      </p:to>
+                                    </p:set>
+                                  </p:childTnLst>
+                                </p:cTn>
+                              </p:par>
+                            </p:childTnLst>
+                          </p:cTn>
+                        </p:par>
+                      </p:childTnLst>
+                    </p:cTn>
+                  </p:par>
+                </p:childTnLst>
+              </p:cTn>
+              <p:prevCondLst>
+                <p:cond evt="onPrev" delay="0">
+                  <p:tgtEl>
+                    <p:sldTgt/>
+                  </p:tgtEl>
+                </p:cond>
+              </p:prevCondLst>
+              <p:nextCondLst>
+                <p:cond evt="onNext" delay="0">
+                  <p:tgtEl>
+                    <p:sldTgt/>
+                  </p:tgtEl>
+                </p:cond>
+              </p:nextCondLst>
+            </p:seq>
+          </p:childTnLst>
+        </p:cTn>
+      </p:par>
+    </p:tnLst>
+  </p:timing>
 </p:sld>
 </file>
 
@@ -9825,6 +10608,183 @@
   <p:clrMapOvr>
     <a:masterClrMapping/>
   </p:clrMapOvr>
+  <p:timing>
+    <p:tnLst>
+      <p:par>
+        <p:cTn id="1" dur="indefinite" restart="never" nodeType="tmRoot">
+          <p:childTnLst>
+            <p:seq concurrent="1" nextAc="seek">
+              <p:cTn id="2" dur="indefinite" nodeType="mainSeq">
+                <p:childTnLst>
+                  <p:par>
+                    <p:cTn id="3" fill="hold">
+                      <p:stCondLst>
+                        <p:cond delay="indefinite"/>
+                      </p:stCondLst>
+                      <p:childTnLst>
+                        <p:par>
+                          <p:cTn id="4" fill="hold">
+                            <p:stCondLst>
+                              <p:cond delay="0"/>
+                            </p:stCondLst>
+                            <p:childTnLst>
+                              <p:par>
+                                <p:cTn id="5" presetID="1" presetClass="entr" presetSubtype="0" fill="hold" nodeType="clickEffect">
+                                  <p:stCondLst>
+                                    <p:cond delay="0"/>
+                                  </p:stCondLst>
+                                  <p:childTnLst>
+                                    <p:set>
+                                      <p:cBhvr>
+                                        <p:cTn id="6" dur="1" fill="hold">
+                                          <p:stCondLst>
+                                            <p:cond delay="0"/>
+                                          </p:stCondLst>
+                                        </p:cTn>
+                                        <p:tgtEl>
+                                          <p:spTgt spid="3">
+                                            <p:txEl>
+                                              <p:pRg st="1" end="1"/>
+                                            </p:txEl>
+                                          </p:spTgt>
+                                        </p:tgtEl>
+                                        <p:attrNameLst>
+                                          <p:attrName>style.visibility</p:attrName>
+                                        </p:attrNameLst>
+                                      </p:cBhvr>
+                                      <p:to>
+                                        <p:strVal val="visible"/>
+                                      </p:to>
+                                    </p:set>
+                                  </p:childTnLst>
+                                </p:cTn>
+                              </p:par>
+                            </p:childTnLst>
+                          </p:cTn>
+                        </p:par>
+                      </p:childTnLst>
+                    </p:cTn>
+                  </p:par>
+                  <p:par>
+                    <p:cTn id="7" fill="hold">
+                      <p:stCondLst>
+                        <p:cond delay="indefinite"/>
+                      </p:stCondLst>
+                      <p:childTnLst>
+                        <p:par>
+                          <p:cTn id="8" fill="hold">
+                            <p:stCondLst>
+                              <p:cond delay="0"/>
+                            </p:stCondLst>
+                            <p:childTnLst>
+                              <p:par>
+                                <p:cTn id="9" presetID="1" presetClass="entr" presetSubtype="0" fill="hold" nodeType="clickEffect">
+                                  <p:stCondLst>
+                                    <p:cond delay="0"/>
+                                  </p:stCondLst>
+                                  <p:childTnLst>
+                                    <p:set>
+                                      <p:cBhvr>
+                                        <p:cTn id="10" dur="1" fill="hold">
+                                          <p:stCondLst>
+                                            <p:cond delay="0"/>
+                                          </p:stCondLst>
+                                        </p:cTn>
+                                        <p:tgtEl>
+                                          <p:spTgt spid="3">
+                                            <p:txEl>
+                                              <p:pRg st="2" end="2"/>
+                                            </p:txEl>
+                                          </p:spTgt>
+                                        </p:tgtEl>
+                                        <p:attrNameLst>
+                                          <p:attrName>style.visibility</p:attrName>
+                                        </p:attrNameLst>
+                                      </p:cBhvr>
+                                      <p:to>
+                                        <p:strVal val="visible"/>
+                                      </p:to>
+                                    </p:set>
+                                  </p:childTnLst>
+                                </p:cTn>
+                              </p:par>
+                            </p:childTnLst>
+                          </p:cTn>
+                        </p:par>
+                      </p:childTnLst>
+                    </p:cTn>
+                  </p:par>
+                  <p:par>
+                    <p:cTn id="11" fill="hold">
+                      <p:stCondLst>
+                        <p:cond delay="indefinite"/>
+                      </p:stCondLst>
+                      <p:childTnLst>
+                        <p:par>
+                          <p:cTn id="12" fill="hold">
+                            <p:stCondLst>
+                              <p:cond delay="0"/>
+                            </p:stCondLst>
+                            <p:childTnLst>
+                              <p:par>
+                                <p:cTn id="13" presetID="1" presetClass="entr" presetSubtype="0" fill="hold" nodeType="clickEffect">
+                                  <p:stCondLst>
+                                    <p:cond delay="0"/>
+                                  </p:stCondLst>
+                                  <p:childTnLst>
+                                    <p:set>
+                                      <p:cBhvr>
+                                        <p:cTn id="14" dur="1" fill="hold">
+                                          <p:stCondLst>
+                                            <p:cond delay="0"/>
+                                          </p:stCondLst>
+                                        </p:cTn>
+                                        <p:tgtEl>
+                                          <p:spTgt spid="3">
+                                            <p:txEl>
+                                              <p:pRg st="3" end="3"/>
+                                            </p:txEl>
+                                          </p:spTgt>
+                                        </p:tgtEl>
+                                        <p:attrNameLst>
+                                          <p:attrName>style.visibility</p:attrName>
+                                        </p:attrNameLst>
+                                      </p:cBhvr>
+                                      <p:to>
+                                        <p:strVal val="visible"/>
+                                      </p:to>
+                                    </p:set>
+                                  </p:childTnLst>
+                                </p:cTn>
+                              </p:par>
+                            </p:childTnLst>
+                          </p:cTn>
+                        </p:par>
+                      </p:childTnLst>
+                    </p:cTn>
+                  </p:par>
+                </p:childTnLst>
+              </p:cTn>
+              <p:prevCondLst>
+                <p:cond evt="onPrev" delay="0">
+                  <p:tgtEl>
+                    <p:sldTgt/>
+                  </p:tgtEl>
+                </p:cond>
+              </p:prevCondLst>
+              <p:nextCondLst>
+                <p:cond evt="onNext" delay="0">
+                  <p:tgtEl>
+                    <p:sldTgt/>
+                  </p:tgtEl>
+                </p:cond>
+              </p:nextCondLst>
+            </p:seq>
+          </p:childTnLst>
+        </p:cTn>
+      </p:par>
+    </p:tnLst>
+  </p:timing>
 </p:sld>
 </file>
 
@@ -10084,7 +11044,7 @@
         </p:nvGraphicFramePr>
         <p:xfrm>
           <a:off x="8225218" y="1828800"/>
-          <a:ext cx="2941320" cy="304800"/>
+          <a:ext cx="2941320" cy="342900"/>
         </p:xfrm>
         <a:graphic>
           <a:graphicData uri="http://schemas.openxmlformats.org/drawingml/2006/table">
@@ -11671,7 +12631,7 @@
         </p:nvGraphicFramePr>
         <p:xfrm>
           <a:off x="8598104" y="5605838"/>
-          <a:ext cx="2941320" cy="304800"/>
+          <a:ext cx="2941320" cy="342900"/>
         </p:xfrm>
         <a:graphic>
           <a:graphicData uri="http://schemas.openxmlformats.org/drawingml/2006/table">
@@ -13132,7 +14092,7 @@
         </p:nvGraphicFramePr>
         <p:xfrm>
           <a:off x="8225218" y="1828800"/>
-          <a:ext cx="2941320" cy="304800"/>
+          <a:ext cx="2941320" cy="342900"/>
         </p:xfrm>
         <a:graphic>
           <a:graphicData uri="http://schemas.openxmlformats.org/drawingml/2006/table">
@@ -14461,7 +15421,7 @@
         </p:nvGraphicFramePr>
         <p:xfrm>
           <a:off x="8598104" y="5605838"/>
-          <a:ext cx="2941320" cy="304800"/>
+          <a:ext cx="2941320" cy="342900"/>
         </p:xfrm>
         <a:graphic>
           <a:graphicData uri="http://schemas.openxmlformats.org/drawingml/2006/table">
@@ -15945,7 +16905,7 @@
         </p:nvGraphicFramePr>
         <p:xfrm>
           <a:off x="8225218" y="1828800"/>
-          <a:ext cx="2941320" cy="304800"/>
+          <a:ext cx="2941320" cy="342900"/>
         </p:xfrm>
         <a:graphic>
           <a:graphicData uri="http://schemas.openxmlformats.org/drawingml/2006/table">
@@ -17133,7 +18093,7 @@
         </p:nvGraphicFramePr>
         <p:xfrm>
           <a:off x="8598104" y="5605838"/>
-          <a:ext cx="2941320" cy="304800"/>
+          <a:ext cx="2941320" cy="342900"/>
         </p:xfrm>
         <a:graphic>
           <a:graphicData uri="http://schemas.openxmlformats.org/drawingml/2006/table">
@@ -18370,14 +19330,6 @@
               <a:rPr lang="bg-BG" dirty="0"/>
               <a:t>Напишете програма, която сортира елементите на масив от цели числа във възходящ ред</a:t>
             </a:r>
-            <a:endParaRPr lang="en-US" dirty="0"/>
-          </a:p>
-          <a:p>
-            <a:pPr lvl="1">
-              <a:lnSpc>
-                <a:spcPct val="100000"/>
-              </a:lnSpc>
-            </a:pPr>
             <a:endParaRPr lang="en-US" dirty="0">
               <a:solidFill>
                 <a:schemeClr val="tx2">
@@ -18465,7 +19417,7 @@
         </p:nvSpPr>
         <p:spPr bwMode="auto">
           <a:xfrm>
-            <a:off x="676677" y="4419600"/>
+            <a:off x="459042" y="4419600"/>
             <a:ext cx="5584884" cy="544765"/>
           </a:xfrm>
           <a:prstGeom prst="rect">
@@ -18528,7 +19480,7 @@
         </p:nvSpPr>
         <p:spPr bwMode="auto">
           <a:xfrm>
-            <a:off x="6906516" y="4441145"/>
+            <a:off x="6751940" y="4430372"/>
             <a:ext cx="5181600" cy="523220"/>
           </a:xfrm>
           <a:prstGeom prst="rect">
@@ -18584,7 +19536,7 @@
         </p:nvSpPr>
         <p:spPr>
           <a:xfrm>
-            <a:off x="6312555" y="4583365"/>
+            <a:off x="6147279" y="4512255"/>
             <a:ext cx="542966" cy="381000"/>
           </a:xfrm>
           <a:prstGeom prst="rightArrow">
@@ -18819,6 +19771,284 @@
   <p:clrMapOvr>
     <a:masterClrMapping/>
   </p:clrMapOvr>
+  <p:timing>
+    <p:tnLst>
+      <p:par>
+        <p:cTn id="1" dur="indefinite" restart="never" nodeType="tmRoot">
+          <p:childTnLst>
+            <p:seq concurrent="1" nextAc="seek">
+              <p:cTn id="2" dur="indefinite" nodeType="mainSeq">
+                <p:childTnLst>
+                  <p:par>
+                    <p:cTn id="3" fill="hold">
+                      <p:stCondLst>
+                        <p:cond delay="indefinite"/>
+                      </p:stCondLst>
+                      <p:childTnLst>
+                        <p:par>
+                          <p:cTn id="4" fill="hold">
+                            <p:stCondLst>
+                              <p:cond delay="0"/>
+                            </p:stCondLst>
+                            <p:childTnLst>
+                              <p:par>
+                                <p:cTn id="5" presetID="1" presetClass="entr" presetSubtype="0" fill="hold" nodeType="clickEffect">
+                                  <p:stCondLst>
+                                    <p:cond delay="0"/>
+                                  </p:stCondLst>
+                                  <p:childTnLst>
+                                    <p:set>
+                                      <p:cBhvr>
+                                        <p:cTn id="6" dur="1" fill="hold">
+                                          <p:stCondLst>
+                                            <p:cond delay="0"/>
+                                          </p:stCondLst>
+                                        </p:cTn>
+                                        <p:tgtEl>
+                                          <p:spTgt spid="3">
+                                            <p:txEl>
+                                              <p:pRg st="1" end="1"/>
+                                            </p:txEl>
+                                          </p:spTgt>
+                                        </p:tgtEl>
+                                        <p:attrNameLst>
+                                          <p:attrName>style.visibility</p:attrName>
+                                        </p:attrNameLst>
+                                      </p:cBhvr>
+                                      <p:to>
+                                        <p:strVal val="visible"/>
+                                      </p:to>
+                                    </p:set>
+                                  </p:childTnLst>
+                                </p:cTn>
+                              </p:par>
+                            </p:childTnLst>
+                          </p:cTn>
+                        </p:par>
+                      </p:childTnLst>
+                    </p:cTn>
+                  </p:par>
+                  <p:par>
+                    <p:cTn id="7" fill="hold">
+                      <p:stCondLst>
+                        <p:cond delay="indefinite"/>
+                      </p:stCondLst>
+                      <p:childTnLst>
+                        <p:par>
+                          <p:cTn id="8" fill="hold">
+                            <p:stCondLst>
+                              <p:cond delay="0"/>
+                            </p:stCondLst>
+                            <p:childTnLst>
+                              <p:par>
+                                <p:cTn id="9" presetID="1" presetClass="entr" presetSubtype="0" fill="hold" nodeType="clickEffect">
+                                  <p:stCondLst>
+                                    <p:cond delay="0"/>
+                                  </p:stCondLst>
+                                  <p:childTnLst>
+                                    <p:set>
+                                      <p:cBhvr>
+                                        <p:cTn id="10" dur="1" fill="hold">
+                                          <p:stCondLst>
+                                            <p:cond delay="0"/>
+                                          </p:stCondLst>
+                                        </p:cTn>
+                                        <p:tgtEl>
+                                          <p:spTgt spid="3">
+                                            <p:txEl>
+                                              <p:pRg st="2" end="2"/>
+                                            </p:txEl>
+                                          </p:spTgt>
+                                        </p:tgtEl>
+                                        <p:attrNameLst>
+                                          <p:attrName>style.visibility</p:attrName>
+                                        </p:attrNameLst>
+                                      </p:cBhvr>
+                                      <p:to>
+                                        <p:strVal val="visible"/>
+                                      </p:to>
+                                    </p:set>
+                                  </p:childTnLst>
+                                </p:cTn>
+                              </p:par>
+                            </p:childTnLst>
+                          </p:cTn>
+                        </p:par>
+                      </p:childTnLst>
+                    </p:cTn>
+                  </p:par>
+                  <p:par>
+                    <p:cTn id="11" fill="hold">
+                      <p:stCondLst>
+                        <p:cond delay="indefinite"/>
+                      </p:stCondLst>
+                      <p:childTnLst>
+                        <p:par>
+                          <p:cTn id="12" fill="hold">
+                            <p:stCondLst>
+                              <p:cond delay="0"/>
+                            </p:stCondLst>
+                            <p:childTnLst>
+                              <p:par>
+                                <p:cTn id="13" presetID="1" presetClass="entr" presetSubtype="0" fill="hold" grpId="0" nodeType="clickEffect">
+                                  <p:stCondLst>
+                                    <p:cond delay="0"/>
+                                  </p:stCondLst>
+                                  <p:childTnLst>
+                                    <p:set>
+                                      <p:cBhvr>
+                                        <p:cTn id="14" dur="1" fill="hold">
+                                          <p:stCondLst>
+                                            <p:cond delay="0"/>
+                                          </p:stCondLst>
+                                        </p:cTn>
+                                        <p:tgtEl>
+                                          <p:spTgt spid="5"/>
+                                        </p:tgtEl>
+                                        <p:attrNameLst>
+                                          <p:attrName>style.visibility</p:attrName>
+                                        </p:attrNameLst>
+                                      </p:cBhvr>
+                                      <p:to>
+                                        <p:strVal val="visible"/>
+                                      </p:to>
+                                    </p:set>
+                                  </p:childTnLst>
+                                </p:cTn>
+                              </p:par>
+                              <p:par>
+                                <p:cTn id="15" presetID="1" presetClass="entr" presetSubtype="0" fill="hold" grpId="0" nodeType="withEffect">
+                                  <p:stCondLst>
+                                    <p:cond delay="0"/>
+                                  </p:stCondLst>
+                                  <p:childTnLst>
+                                    <p:set>
+                                      <p:cBhvr>
+                                        <p:cTn id="16" dur="1" fill="hold">
+                                          <p:stCondLst>
+                                            <p:cond delay="0"/>
+                                          </p:stCondLst>
+                                        </p:cTn>
+                                        <p:tgtEl>
+                                          <p:spTgt spid="7"/>
+                                        </p:tgtEl>
+                                        <p:attrNameLst>
+                                          <p:attrName>style.visibility</p:attrName>
+                                        </p:attrNameLst>
+                                      </p:cBhvr>
+                                      <p:to>
+                                        <p:strVal val="visible"/>
+                                      </p:to>
+                                    </p:set>
+                                  </p:childTnLst>
+                                </p:cTn>
+                              </p:par>
+                              <p:par>
+                                <p:cTn id="17" presetID="1" presetClass="entr" presetSubtype="0" fill="hold" grpId="0" nodeType="withEffect">
+                                  <p:stCondLst>
+                                    <p:cond delay="0"/>
+                                  </p:stCondLst>
+                                  <p:childTnLst>
+                                    <p:set>
+                                      <p:cBhvr>
+                                        <p:cTn id="18" dur="1" fill="hold">
+                                          <p:stCondLst>
+                                            <p:cond delay="0"/>
+                                          </p:stCondLst>
+                                        </p:cTn>
+                                        <p:tgtEl>
+                                          <p:spTgt spid="6"/>
+                                        </p:tgtEl>
+                                        <p:attrNameLst>
+                                          <p:attrName>style.visibility</p:attrName>
+                                        </p:attrNameLst>
+                                      </p:cBhvr>
+                                      <p:to>
+                                        <p:strVal val="visible"/>
+                                      </p:to>
+                                    </p:set>
+                                  </p:childTnLst>
+                                </p:cTn>
+                              </p:par>
+                            </p:childTnLst>
+                          </p:cTn>
+                        </p:par>
+                      </p:childTnLst>
+                    </p:cTn>
+                  </p:par>
+                  <p:par>
+                    <p:cTn id="19" fill="hold">
+                      <p:stCondLst>
+                        <p:cond delay="indefinite"/>
+                      </p:stCondLst>
+                      <p:childTnLst>
+                        <p:par>
+                          <p:cTn id="20" fill="hold">
+                            <p:stCondLst>
+                              <p:cond delay="0"/>
+                            </p:stCondLst>
+                            <p:childTnLst>
+                              <p:par>
+                                <p:cTn id="21" presetID="1" presetClass="entr" presetSubtype="0" fill="hold" grpId="0" nodeType="clickEffect">
+                                  <p:stCondLst>
+                                    <p:cond delay="0"/>
+                                  </p:stCondLst>
+                                  <p:childTnLst>
+                                    <p:set>
+                                      <p:cBhvr>
+                                        <p:cTn id="22" dur="1" fill="hold">
+                                          <p:stCondLst>
+                                            <p:cond delay="0"/>
+                                          </p:stCondLst>
+                                        </p:cTn>
+                                        <p:tgtEl>
+                                          <p:spTgt spid="9"/>
+                                        </p:tgtEl>
+                                        <p:attrNameLst>
+                                          <p:attrName>style.visibility</p:attrName>
+                                        </p:attrNameLst>
+                                      </p:cBhvr>
+                                      <p:to>
+                                        <p:strVal val="visible"/>
+                                      </p:to>
+                                    </p:set>
+                                  </p:childTnLst>
+                                </p:cTn>
+                              </p:par>
+                            </p:childTnLst>
+                          </p:cTn>
+                        </p:par>
+                      </p:childTnLst>
+                    </p:cTn>
+                  </p:par>
+                </p:childTnLst>
+              </p:cTn>
+              <p:prevCondLst>
+                <p:cond evt="onPrev" delay="0">
+                  <p:tgtEl>
+                    <p:sldTgt/>
+                  </p:tgtEl>
+                </p:cond>
+              </p:prevCondLst>
+              <p:nextCondLst>
+                <p:cond evt="onNext" delay="0">
+                  <p:tgtEl>
+                    <p:sldTgt/>
+                  </p:tgtEl>
+                </p:cond>
+              </p:nextCondLst>
+            </p:seq>
+          </p:childTnLst>
+        </p:cTn>
+      </p:par>
+    </p:tnLst>
+    <p:bldLst>
+      <p:bldP spid="5" grpId="0" animBg="1"/>
+      <p:bldP spid="6" grpId="0" animBg="1"/>
+      <p:bldP spid="7" grpId="0" animBg="1"/>
+      <p:bldP spid="9" grpId="0"/>
+    </p:bldLst>
+  </p:timing>
 </p:sld>
 </file>
 
